--- a/slides/OWASP APIs 2024-12.pptx
+++ b/slides/OWASP APIs 2024-12.pptx
@@ -16,28 +16,28 @@
   <p:sldIdLst>
     <p:sldId id="1393" r:id="rId8"/>
     <p:sldId id="1800" r:id="rId9"/>
-    <p:sldId id="1702" r:id="rId10"/>
-    <p:sldId id="1518" r:id="rId11"/>
-    <p:sldId id="1708" r:id="rId12"/>
-    <p:sldId id="1794" r:id="rId13"/>
-    <p:sldId id="1796" r:id="rId14"/>
-    <p:sldId id="1772" r:id="rId15"/>
-    <p:sldId id="1777" r:id="rId16"/>
-    <p:sldId id="1778" r:id="rId17"/>
-    <p:sldId id="1780" r:id="rId18"/>
-    <p:sldId id="1790" r:id="rId19"/>
-    <p:sldId id="1791" r:id="rId20"/>
-    <p:sldId id="1797" r:id="rId21"/>
-    <p:sldId id="1789" r:id="rId22"/>
-    <p:sldId id="1792" r:id="rId23"/>
-    <p:sldId id="1775" r:id="rId24"/>
-    <p:sldId id="1785" r:id="rId25"/>
-    <p:sldId id="1783" r:id="rId26"/>
-    <p:sldId id="1774" r:id="rId27"/>
-    <p:sldId id="1782" r:id="rId28"/>
-    <p:sldId id="1786" r:id="rId29"/>
-    <p:sldId id="1769" r:id="rId30"/>
-    <p:sldId id="1795" r:id="rId31"/>
+    <p:sldId id="1518" r:id="rId10"/>
+    <p:sldId id="1708" r:id="rId11"/>
+    <p:sldId id="1794" r:id="rId12"/>
+    <p:sldId id="1796" r:id="rId13"/>
+    <p:sldId id="1772" r:id="rId14"/>
+    <p:sldId id="1777" r:id="rId15"/>
+    <p:sldId id="1778" r:id="rId16"/>
+    <p:sldId id="1780" r:id="rId17"/>
+    <p:sldId id="1790" r:id="rId18"/>
+    <p:sldId id="1791" r:id="rId19"/>
+    <p:sldId id="1797" r:id="rId20"/>
+    <p:sldId id="1789" r:id="rId21"/>
+    <p:sldId id="1792" r:id="rId22"/>
+    <p:sldId id="1775" r:id="rId23"/>
+    <p:sldId id="1785" r:id="rId24"/>
+    <p:sldId id="1783" r:id="rId25"/>
+    <p:sldId id="1774" r:id="rId26"/>
+    <p:sldId id="1782" r:id="rId27"/>
+    <p:sldId id="1786" r:id="rId28"/>
+    <p:sldId id="1769" r:id="rId29"/>
+    <p:sldId id="1795" r:id="rId30"/>
+    <p:sldId id="1801" r:id="rId31"/>
     <p:sldId id="1798" r:id="rId32"/>
     <p:sldId id="1750" r:id="rId33"/>
   </p:sldIdLst>
@@ -145,7 +145,6 @@
           <p14:sldIdLst>
             <p14:sldId id="1393"/>
             <p14:sldId id="1800"/>
-            <p14:sldId id="1702"/>
             <p14:sldId id="1518"/>
             <p14:sldId id="1708"/>
             <p14:sldId id="1794"/>
@@ -171,6 +170,7 @@
           <p14:sldIdLst>
             <p14:sldId id="1769"/>
             <p14:sldId id="1795"/>
+            <p14:sldId id="1801"/>
             <p14:sldId id="1798"/>
             <p14:sldId id="1750"/>
           </p14:sldIdLst>
@@ -307,7 +307,7 @@
               <a:rPr lang="en-US" smtClean="0">
                 <a:latin typeface="Segoe UI" pitchFamily="34" charset="0"/>
               </a:rPr>
-              <a:t>12/11/2024 7:38 PM</a:t>
+              <a:t>12/11/2024 7:42 PM</a:t>
             </a:fld>
             <a:endParaRPr lang="en-US" dirty="0">
               <a:latin typeface="Segoe UI" pitchFamily="34" charset="0"/>
@@ -588,7 +588,7 @@
           <a:p>
             <a:fld id="{38EEC551-8CDA-4EB6-89BB-2A86C9F091C8}" type="datetime8">
               <a:rPr lang="en-US" smtClean="0"/>
-              <a:t>12/11/2024 7:38 PM</a:t>
+              <a:t>12/11/2024 7:42 PM</a:t>
             </a:fld>
             <a:endParaRPr lang="en-US" dirty="0"/>
           </a:p>
@@ -975,7 +975,7 @@
           <a:p>
             <a:fld id="{38EEC551-8CDA-4EB6-89BB-2A86C9F091C8}" type="datetime8">
               <a:rPr lang="en-US" smtClean="0"/>
-              <a:t>12/11/2024 7:38 PM</a:t>
+              <a:t>12/11/2024 7:42 PM</a:t>
             </a:fld>
             <a:endParaRPr lang="en-US" dirty="0"/>
           </a:p>
@@ -1160,7 +1160,7 @@
           <a:p>
             <a:fld id="{38EEC551-8CDA-4EB6-89BB-2A86C9F091C8}" type="datetime8">
               <a:rPr lang="en-US" smtClean="0"/>
-              <a:t>12/11/2024 7:38 PM</a:t>
+              <a:t>12/11/2024 7:42 PM</a:t>
             </a:fld>
             <a:endParaRPr lang="en-US" dirty="0"/>
           </a:p>
@@ -1193,7 +1193,7 @@
     </p:spTree>
     <p:extLst>
       <p:ext uri="{BB962C8B-B14F-4D97-AF65-F5344CB8AC3E}">
-        <p14:creationId xmlns:p14="http://schemas.microsoft.com/office/powerpoint/2010/main" val="3386416500"/>
+        <p14:creationId xmlns:p14="http://schemas.microsoft.com/office/powerpoint/2010/main" val="2056100495"/>
       </p:ext>
     </p:extLst>
   </p:cSld>
@@ -1345,7 +1345,7 @@
           <a:p>
             <a:fld id="{38EEC551-8CDA-4EB6-89BB-2A86C9F091C8}" type="datetime8">
               <a:rPr lang="en-US" smtClean="0"/>
-              <a:t>12/11/2024 7:38 PM</a:t>
+              <a:t>12/11/2024 7:42 PM</a:t>
             </a:fld>
             <a:endParaRPr lang="en-US" dirty="0"/>
           </a:p>
@@ -1378,7 +1378,7 @@
     </p:spTree>
     <p:extLst>
       <p:ext uri="{BB962C8B-B14F-4D97-AF65-F5344CB8AC3E}">
-        <p14:creationId xmlns:p14="http://schemas.microsoft.com/office/powerpoint/2010/main" val="2056100495"/>
+        <p14:creationId xmlns:p14="http://schemas.microsoft.com/office/powerpoint/2010/main" val="261262177"/>
       </p:ext>
     </p:extLst>
   </p:cSld>
@@ -1530,7 +1530,7 @@
           <a:p>
             <a:fld id="{38EEC551-8CDA-4EB6-89BB-2A86C9F091C8}" type="datetime8">
               <a:rPr lang="en-US" smtClean="0"/>
-              <a:t>12/11/2024 7:38 PM</a:t>
+              <a:t>12/11/2024 7:42 PM</a:t>
             </a:fld>
             <a:endParaRPr lang="en-US" dirty="0"/>
           </a:p>
@@ -1555,191 +1555,6 @@
               <a:rPr lang="en-US" smtClean="0"/>
               <a:pPr/>
               <a:t>12</a:t>
-            </a:fld>
-            <a:endParaRPr lang="en-US" dirty="0"/>
-          </a:p>
-        </p:txBody>
-      </p:sp>
-    </p:spTree>
-    <p:extLst>
-      <p:ext uri="{BB962C8B-B14F-4D97-AF65-F5344CB8AC3E}">
-        <p14:creationId xmlns:p14="http://schemas.microsoft.com/office/powerpoint/2010/main" val="261262177"/>
-      </p:ext>
-    </p:extLst>
-  </p:cSld>
-  <p:clrMapOvr>
-    <a:masterClrMapping/>
-  </p:clrMapOvr>
-</p:notes>
-</file>
-
-<file path=ppt/notesSlides/notesSlide13.xml><?xml version="1.0" encoding="utf-8"?>
-<p:notes xmlns:a="http://schemas.openxmlformats.org/drawingml/2006/main" xmlns:r="http://schemas.openxmlformats.org/officeDocument/2006/relationships" xmlns:p="http://schemas.openxmlformats.org/presentationml/2006/main">
-  <p:cSld>
-    <p:spTree>
-      <p:nvGrpSpPr>
-        <p:cNvPr id="1" name=""/>
-        <p:cNvGrpSpPr/>
-        <p:nvPr/>
-      </p:nvGrpSpPr>
-      <p:grpSpPr>
-        <a:xfrm>
-          <a:off x="0" y="0"/>
-          <a:ext cx="0" cy="0"/>
-          <a:chOff x="0" y="0"/>
-          <a:chExt cx="0" cy="0"/>
-        </a:xfrm>
-      </p:grpSpPr>
-      <p:sp>
-        <p:nvSpPr>
-          <p:cNvPr id="2" name="Espaço Reservado para Imagem de Slide 1"/>
-          <p:cNvSpPr>
-            <a:spLocks noGrp="1" noRot="1" noChangeAspect="1"/>
-          </p:cNvSpPr>
-          <p:nvPr>
-            <p:ph type="sldImg"/>
-          </p:nvPr>
-        </p:nvSpPr>
-        <p:spPr/>
-      </p:sp>
-      <p:sp>
-        <p:nvSpPr>
-          <p:cNvPr id="3" name="Espaço Reservado para Anotações 2"/>
-          <p:cNvSpPr>
-            <a:spLocks noGrp="1"/>
-          </p:cNvSpPr>
-          <p:nvPr>
-            <p:ph type="body" idx="1"/>
-          </p:nvPr>
-        </p:nvSpPr>
-        <p:spPr/>
-        <p:txBody>
-          <a:bodyPr/>
-          <a:lstStyle/>
-          <a:p>
-            <a:endParaRPr lang="pt-BR" dirty="0"/>
-          </a:p>
-        </p:txBody>
-      </p:sp>
-      <p:sp>
-        <p:nvSpPr>
-          <p:cNvPr id="4" name="Espaço Reservado para Cabeçalho 3"/>
-          <p:cNvSpPr>
-            <a:spLocks noGrp="1"/>
-          </p:cNvSpPr>
-          <p:nvPr>
-            <p:ph type="hdr" sz="quarter" idx="10"/>
-          </p:nvPr>
-        </p:nvSpPr>
-        <p:spPr/>
-        <p:txBody>
-          <a:bodyPr/>
-          <a:lstStyle/>
-          <a:p>
-            <a:r>
-              <a:rPr lang="en-US"/>
-              <a:t>Microsoft Ignite 2016</a:t>
-            </a:r>
-            <a:endParaRPr lang="en-US" dirty="0"/>
-          </a:p>
-        </p:txBody>
-      </p:sp>
-      <p:sp>
-        <p:nvSpPr>
-          <p:cNvPr id="5" name="Espaço Reservado para Rodapé 4"/>
-          <p:cNvSpPr>
-            <a:spLocks noGrp="1"/>
-          </p:cNvSpPr>
-          <p:nvPr>
-            <p:ph type="ftr" sz="quarter" idx="11"/>
-          </p:nvPr>
-        </p:nvSpPr>
-        <p:spPr/>
-        <p:txBody>
-          <a:bodyPr/>
-          <a:lstStyle/>
-          <a:p>
-            <a:pPr defTabSz="914099" eaLnBrk="0" hangingPunct="0"/>
-            <a:r>
-              <a:rPr lang="en-US" sz="400">
-                <a:gradFill>
-                  <a:gsLst>
-                    <a:gs pos="0">
-                      <a:prstClr val="black"/>
-                    </a:gs>
-                    <a:gs pos="100000">
-                      <a:prstClr val="black"/>
-                    </a:gs>
-                  </a:gsLst>
-                  <a:lin ang="5400000" scaled="0"/>
-                </a:gradFill>
-                <a:latin typeface="Segoe UI" pitchFamily="34" charset="0"/>
-                <a:ea typeface="Segoe UI" pitchFamily="34" charset="0"/>
-                <a:cs typeface="Segoe UI" pitchFamily="34" charset="0"/>
-              </a:rPr>
-              <a:t>© 2016 Microsoft Corporation. All rights reserved. MICROSOFT MAKES NO WARRANTIES, EXPRESS, IMPLIED OR STATUTORY, AS TO THE INFORMATION IN THIS PRESENTATION.</a:t>
-            </a:r>
-            <a:endParaRPr lang="en-US" sz="400" dirty="0">
-              <a:gradFill>
-                <a:gsLst>
-                  <a:gs pos="0">
-                    <a:prstClr val="black"/>
-                  </a:gs>
-                  <a:gs pos="100000">
-                    <a:prstClr val="black"/>
-                  </a:gs>
-                </a:gsLst>
-                <a:lin ang="5400000" scaled="0"/>
-              </a:gradFill>
-              <a:latin typeface="Segoe UI" pitchFamily="34" charset="0"/>
-              <a:ea typeface="Segoe UI" pitchFamily="34" charset="0"/>
-              <a:cs typeface="Segoe UI" pitchFamily="34" charset="0"/>
-            </a:endParaRPr>
-          </a:p>
-        </p:txBody>
-      </p:sp>
-      <p:sp>
-        <p:nvSpPr>
-          <p:cNvPr id="6" name="Espaço Reservado para Data 5"/>
-          <p:cNvSpPr>
-            <a:spLocks noGrp="1"/>
-          </p:cNvSpPr>
-          <p:nvPr>
-            <p:ph type="dt" idx="12"/>
-          </p:nvPr>
-        </p:nvSpPr>
-        <p:spPr/>
-        <p:txBody>
-          <a:bodyPr/>
-          <a:lstStyle/>
-          <a:p>
-            <a:fld id="{38EEC551-8CDA-4EB6-89BB-2A86C9F091C8}" type="datetime8">
-              <a:rPr lang="en-US" smtClean="0"/>
-              <a:t>12/11/2024 7:38 PM</a:t>
-            </a:fld>
-            <a:endParaRPr lang="en-US" dirty="0"/>
-          </a:p>
-        </p:txBody>
-      </p:sp>
-      <p:sp>
-        <p:nvSpPr>
-          <p:cNvPr id="7" name="Espaço Reservado para Número de Slide 6"/>
-          <p:cNvSpPr>
-            <a:spLocks noGrp="1"/>
-          </p:cNvSpPr>
-          <p:nvPr>
-            <p:ph type="sldNum" sz="quarter" idx="13"/>
-          </p:nvPr>
-        </p:nvSpPr>
-        <p:spPr/>
-        <p:txBody>
-          <a:bodyPr/>
-          <a:lstStyle/>
-          <a:p>
-            <a:fld id="{B4008EB6-D09E-4580-8CD6-DDB14511944F}" type="slidenum">
-              <a:rPr lang="en-US" smtClean="0"/>
-              <a:pPr/>
-              <a:t>13</a:t>
             </a:fld>
             <a:endParaRPr lang="en-US" dirty="0"/>
           </a:p>
@@ -1758,7 +1573,7 @@
 </p:notes>
 </file>
 
-<file path=ppt/notesSlides/notesSlide14.xml><?xml version="1.0" encoding="utf-8"?>
+<file path=ppt/notesSlides/notesSlide13.xml><?xml version="1.0" encoding="utf-8"?>
 <p:notes xmlns:a="http://schemas.openxmlformats.org/drawingml/2006/main" xmlns:r="http://schemas.openxmlformats.org/officeDocument/2006/relationships" xmlns:p="http://schemas.openxmlformats.org/presentationml/2006/main">
   <p:cSld>
     <p:spTree>
@@ -1936,7 +1751,7 @@
           <a:p>
             <a:fld id="{38EEC551-8CDA-4EB6-89BB-2A86C9F091C8}" type="datetime8">
               <a:rPr lang="en-US" smtClean="0"/>
-              <a:t>12/11/2024 7:38 PM</a:t>
+              <a:t>12/11/2024 7:42 PM</a:t>
             </a:fld>
             <a:endParaRPr lang="en-US" dirty="0"/>
           </a:p>
@@ -1966,7 +1781,7 @@
             <a:fld id="{B4008EB6-D09E-4580-8CD6-DDB14511944F}" type="slidenum">
               <a:rPr lang="en-US" smtClean="0"/>
               <a:pPr/>
-              <a:t>14</a:t>
+              <a:t>13</a:t>
             </a:fld>
             <a:endParaRPr lang="en-US" dirty="0"/>
           </a:p>
@@ -1976,6 +1791,191 @@
     <p:extLst>
       <p:ext uri="{BB962C8B-B14F-4D97-AF65-F5344CB8AC3E}">
         <p14:creationId xmlns:p14="http://schemas.microsoft.com/office/powerpoint/2010/main" val="1698960282"/>
+      </p:ext>
+    </p:extLst>
+  </p:cSld>
+  <p:clrMapOvr>
+    <a:masterClrMapping/>
+  </p:clrMapOvr>
+</p:notes>
+</file>
+
+<file path=ppt/notesSlides/notesSlide14.xml><?xml version="1.0" encoding="utf-8"?>
+<p:notes xmlns:a="http://schemas.openxmlformats.org/drawingml/2006/main" xmlns:r="http://schemas.openxmlformats.org/officeDocument/2006/relationships" xmlns:p="http://schemas.openxmlformats.org/presentationml/2006/main">
+  <p:cSld>
+    <p:spTree>
+      <p:nvGrpSpPr>
+        <p:cNvPr id="1" name=""/>
+        <p:cNvGrpSpPr/>
+        <p:nvPr/>
+      </p:nvGrpSpPr>
+      <p:grpSpPr>
+        <a:xfrm>
+          <a:off x="0" y="0"/>
+          <a:ext cx="0" cy="0"/>
+          <a:chOff x="0" y="0"/>
+          <a:chExt cx="0" cy="0"/>
+        </a:xfrm>
+      </p:grpSpPr>
+      <p:sp>
+        <p:nvSpPr>
+          <p:cNvPr id="2" name="Espaço Reservado para Imagem de Slide 1"/>
+          <p:cNvSpPr>
+            <a:spLocks noGrp="1" noRot="1" noChangeAspect="1"/>
+          </p:cNvSpPr>
+          <p:nvPr>
+            <p:ph type="sldImg"/>
+          </p:nvPr>
+        </p:nvSpPr>
+        <p:spPr/>
+      </p:sp>
+      <p:sp>
+        <p:nvSpPr>
+          <p:cNvPr id="3" name="Espaço Reservado para Anotações 2"/>
+          <p:cNvSpPr>
+            <a:spLocks noGrp="1"/>
+          </p:cNvSpPr>
+          <p:nvPr>
+            <p:ph type="body" idx="1"/>
+          </p:nvPr>
+        </p:nvSpPr>
+        <p:spPr/>
+        <p:txBody>
+          <a:bodyPr/>
+          <a:lstStyle/>
+          <a:p>
+            <a:endParaRPr lang="pt-BR" dirty="0"/>
+          </a:p>
+        </p:txBody>
+      </p:sp>
+      <p:sp>
+        <p:nvSpPr>
+          <p:cNvPr id="4" name="Espaço Reservado para Cabeçalho 3"/>
+          <p:cNvSpPr>
+            <a:spLocks noGrp="1"/>
+          </p:cNvSpPr>
+          <p:nvPr>
+            <p:ph type="hdr" sz="quarter" idx="10"/>
+          </p:nvPr>
+        </p:nvSpPr>
+        <p:spPr/>
+        <p:txBody>
+          <a:bodyPr/>
+          <a:lstStyle/>
+          <a:p>
+            <a:r>
+              <a:rPr lang="en-US"/>
+              <a:t>Microsoft Ignite 2016</a:t>
+            </a:r>
+            <a:endParaRPr lang="en-US" dirty="0"/>
+          </a:p>
+        </p:txBody>
+      </p:sp>
+      <p:sp>
+        <p:nvSpPr>
+          <p:cNvPr id="5" name="Espaço Reservado para Rodapé 4"/>
+          <p:cNvSpPr>
+            <a:spLocks noGrp="1"/>
+          </p:cNvSpPr>
+          <p:nvPr>
+            <p:ph type="ftr" sz="quarter" idx="11"/>
+          </p:nvPr>
+        </p:nvSpPr>
+        <p:spPr/>
+        <p:txBody>
+          <a:bodyPr/>
+          <a:lstStyle/>
+          <a:p>
+            <a:pPr defTabSz="914099" eaLnBrk="0" hangingPunct="0"/>
+            <a:r>
+              <a:rPr lang="en-US" sz="400">
+                <a:gradFill>
+                  <a:gsLst>
+                    <a:gs pos="0">
+                      <a:prstClr val="black"/>
+                    </a:gs>
+                    <a:gs pos="100000">
+                      <a:prstClr val="black"/>
+                    </a:gs>
+                  </a:gsLst>
+                  <a:lin ang="5400000" scaled="0"/>
+                </a:gradFill>
+                <a:latin typeface="Segoe UI" pitchFamily="34" charset="0"/>
+                <a:ea typeface="Segoe UI" pitchFamily="34" charset="0"/>
+                <a:cs typeface="Segoe UI" pitchFamily="34" charset="0"/>
+              </a:rPr>
+              <a:t>© 2016 Microsoft Corporation. All rights reserved. MICROSOFT MAKES NO WARRANTIES, EXPRESS, IMPLIED OR STATUTORY, AS TO THE INFORMATION IN THIS PRESENTATION.</a:t>
+            </a:r>
+            <a:endParaRPr lang="en-US" sz="400" dirty="0">
+              <a:gradFill>
+                <a:gsLst>
+                  <a:gs pos="0">
+                    <a:prstClr val="black"/>
+                  </a:gs>
+                  <a:gs pos="100000">
+                    <a:prstClr val="black"/>
+                  </a:gs>
+                </a:gsLst>
+                <a:lin ang="5400000" scaled="0"/>
+              </a:gradFill>
+              <a:latin typeface="Segoe UI" pitchFamily="34" charset="0"/>
+              <a:ea typeface="Segoe UI" pitchFamily="34" charset="0"/>
+              <a:cs typeface="Segoe UI" pitchFamily="34" charset="0"/>
+            </a:endParaRPr>
+          </a:p>
+        </p:txBody>
+      </p:sp>
+      <p:sp>
+        <p:nvSpPr>
+          <p:cNvPr id="6" name="Espaço Reservado para Data 5"/>
+          <p:cNvSpPr>
+            <a:spLocks noGrp="1"/>
+          </p:cNvSpPr>
+          <p:nvPr>
+            <p:ph type="dt" idx="12"/>
+          </p:nvPr>
+        </p:nvSpPr>
+        <p:spPr/>
+        <p:txBody>
+          <a:bodyPr/>
+          <a:lstStyle/>
+          <a:p>
+            <a:fld id="{38EEC551-8CDA-4EB6-89BB-2A86C9F091C8}" type="datetime8">
+              <a:rPr lang="en-US" smtClean="0"/>
+              <a:t>12/11/2024 7:42 PM</a:t>
+            </a:fld>
+            <a:endParaRPr lang="en-US" dirty="0"/>
+          </a:p>
+        </p:txBody>
+      </p:sp>
+      <p:sp>
+        <p:nvSpPr>
+          <p:cNvPr id="7" name="Espaço Reservado para Número de Slide 6"/>
+          <p:cNvSpPr>
+            <a:spLocks noGrp="1"/>
+          </p:cNvSpPr>
+          <p:nvPr>
+            <p:ph type="sldNum" sz="quarter" idx="13"/>
+          </p:nvPr>
+        </p:nvSpPr>
+        <p:spPr/>
+        <p:txBody>
+          <a:bodyPr/>
+          <a:lstStyle/>
+          <a:p>
+            <a:fld id="{B4008EB6-D09E-4580-8CD6-DDB14511944F}" type="slidenum">
+              <a:rPr lang="en-US" smtClean="0"/>
+              <a:pPr/>
+              <a:t>14</a:t>
+            </a:fld>
+            <a:endParaRPr lang="en-US" dirty="0"/>
+          </a:p>
+        </p:txBody>
+      </p:sp>
+    </p:spTree>
+    <p:extLst>
+      <p:ext uri="{BB962C8B-B14F-4D97-AF65-F5344CB8AC3E}">
+        <p14:creationId xmlns:p14="http://schemas.microsoft.com/office/powerpoint/2010/main" val="2729619364"/>
       </p:ext>
     </p:extLst>
   </p:cSld>
@@ -2127,7 +2127,7 @@
           <a:p>
             <a:fld id="{38EEC551-8CDA-4EB6-89BB-2A86C9F091C8}" type="datetime8">
               <a:rPr lang="en-US" smtClean="0"/>
-              <a:t>12/11/2024 7:38 PM</a:t>
+              <a:t>12/11/2024 7:42 PM</a:t>
             </a:fld>
             <a:endParaRPr lang="en-US" dirty="0"/>
           </a:p>
@@ -2160,7 +2160,7 @@
     </p:spTree>
     <p:extLst>
       <p:ext uri="{BB962C8B-B14F-4D97-AF65-F5344CB8AC3E}">
-        <p14:creationId xmlns:p14="http://schemas.microsoft.com/office/powerpoint/2010/main" val="2729619364"/>
+        <p14:creationId xmlns:p14="http://schemas.microsoft.com/office/powerpoint/2010/main" val="673264733"/>
       </p:ext>
     </p:extLst>
   </p:cSld>
@@ -2312,7 +2312,7 @@
           <a:p>
             <a:fld id="{38EEC551-8CDA-4EB6-89BB-2A86C9F091C8}" type="datetime8">
               <a:rPr lang="en-US" smtClean="0"/>
-              <a:t>12/11/2024 7:38 PM</a:t>
+              <a:t>12/11/2024 7:42 PM</a:t>
             </a:fld>
             <a:endParaRPr lang="en-US" dirty="0"/>
           </a:p>
@@ -2345,7 +2345,7 @@
     </p:spTree>
     <p:extLst>
       <p:ext uri="{BB962C8B-B14F-4D97-AF65-F5344CB8AC3E}">
-        <p14:creationId xmlns:p14="http://schemas.microsoft.com/office/powerpoint/2010/main" val="673264733"/>
+        <p14:creationId xmlns:p14="http://schemas.microsoft.com/office/powerpoint/2010/main" val="3800082910"/>
       </p:ext>
     </p:extLst>
   </p:cSld>
@@ -2497,7 +2497,7 @@
           <a:p>
             <a:fld id="{38EEC551-8CDA-4EB6-89BB-2A86C9F091C8}" type="datetime8">
               <a:rPr lang="en-US" smtClean="0"/>
-              <a:t>12/11/2024 7:38 PM</a:t>
+              <a:t>12/11/2024 7:42 PM</a:t>
             </a:fld>
             <a:endParaRPr lang="en-US" dirty="0"/>
           </a:p>
@@ -2530,7 +2530,7 @@
     </p:spTree>
     <p:extLst>
       <p:ext uri="{BB962C8B-B14F-4D97-AF65-F5344CB8AC3E}">
-        <p14:creationId xmlns:p14="http://schemas.microsoft.com/office/powerpoint/2010/main" val="3800082910"/>
+        <p14:creationId xmlns:p14="http://schemas.microsoft.com/office/powerpoint/2010/main" val="1725736588"/>
       </p:ext>
     </p:extLst>
   </p:cSld>
@@ -2682,7 +2682,7 @@
           <a:p>
             <a:fld id="{38EEC551-8CDA-4EB6-89BB-2A86C9F091C8}" type="datetime8">
               <a:rPr lang="en-US" smtClean="0"/>
-              <a:t>12/11/2024 7:38 PM</a:t>
+              <a:t>12/11/2024 7:42 PM</a:t>
             </a:fld>
             <a:endParaRPr lang="en-US" dirty="0"/>
           </a:p>
@@ -2715,7 +2715,7 @@
     </p:spTree>
     <p:extLst>
       <p:ext uri="{BB962C8B-B14F-4D97-AF65-F5344CB8AC3E}">
-        <p14:creationId xmlns:p14="http://schemas.microsoft.com/office/powerpoint/2010/main" val="1725736588"/>
+        <p14:creationId xmlns:p14="http://schemas.microsoft.com/office/powerpoint/2010/main" val="2139590948"/>
       </p:ext>
     </p:extLst>
   </p:cSld>
@@ -2867,7 +2867,7 @@
           <a:p>
             <a:fld id="{38EEC551-8CDA-4EB6-89BB-2A86C9F091C8}" type="datetime8">
               <a:rPr lang="en-US" smtClean="0"/>
-              <a:t>12/11/2024 7:38 PM</a:t>
+              <a:t>12/11/2024 7:42 PM</a:t>
             </a:fld>
             <a:endParaRPr lang="en-US" dirty="0"/>
           </a:p>
@@ -2900,7 +2900,7 @@
     </p:spTree>
     <p:extLst>
       <p:ext uri="{BB962C8B-B14F-4D97-AF65-F5344CB8AC3E}">
-        <p14:creationId xmlns:p14="http://schemas.microsoft.com/office/powerpoint/2010/main" val="2139590948"/>
+        <p14:creationId xmlns:p14="http://schemas.microsoft.com/office/powerpoint/2010/main" val="2330179065"/>
       </p:ext>
     </p:extLst>
   </p:cSld>
@@ -3137,7 +3137,7 @@
           <a:p>
             <a:fld id="{38EEC551-8CDA-4EB6-89BB-2A86C9F091C8}" type="datetime8">
               <a:rPr lang="en-US" smtClean="0"/>
-              <a:t>12/11/2024 7:38 PM</a:t>
+              <a:t>12/11/2024 7:42 PM</a:t>
             </a:fld>
             <a:endParaRPr lang="en-US" dirty="0"/>
           </a:p>
@@ -3170,7 +3170,7 @@
     </p:spTree>
     <p:extLst>
       <p:ext uri="{BB962C8B-B14F-4D97-AF65-F5344CB8AC3E}">
-        <p14:creationId xmlns:p14="http://schemas.microsoft.com/office/powerpoint/2010/main" val="2330179065"/>
+        <p14:creationId xmlns:p14="http://schemas.microsoft.com/office/powerpoint/2010/main" val="2456252181"/>
       </p:ext>
     </p:extLst>
   </p:cSld>
@@ -3322,7 +3322,7 @@
           <a:p>
             <a:fld id="{38EEC551-8CDA-4EB6-89BB-2A86C9F091C8}" type="datetime8">
               <a:rPr lang="en-US" smtClean="0"/>
-              <a:t>12/11/2024 7:38 PM</a:t>
+              <a:t>12/11/2024 7:42 PM</a:t>
             </a:fld>
             <a:endParaRPr lang="en-US" dirty="0"/>
           </a:p>
@@ -3355,7 +3355,7 @@
     </p:spTree>
     <p:extLst>
       <p:ext uri="{BB962C8B-B14F-4D97-AF65-F5344CB8AC3E}">
-        <p14:creationId xmlns:p14="http://schemas.microsoft.com/office/powerpoint/2010/main" val="2456252181"/>
+        <p14:creationId xmlns:p14="http://schemas.microsoft.com/office/powerpoint/2010/main" val="443476464"/>
       </p:ext>
     </p:extLst>
   </p:cSld>
@@ -3370,7 +3370,13 @@
   <p:cSld>
     <p:spTree>
       <p:nvGrpSpPr>
-        <p:cNvPr id="1" name=""/>
+        <p:cNvPr id="1" name="">
+          <a:extLst>
+            <a:ext uri="{FF2B5EF4-FFF2-40B4-BE49-F238E27FC236}">
+              <a16:creationId xmlns:a16="http://schemas.microsoft.com/office/drawing/2014/main" id="{13C65639-B6BE-D0C5-7B6D-CF87244FA7CB}"/>
+            </a:ext>
+          </a:extLst>
+        </p:cNvPr>
         <p:cNvGrpSpPr/>
         <p:nvPr/>
       </p:nvGrpSpPr>
@@ -3384,7 +3390,13 @@
       </p:grpSpPr>
       <p:sp>
         <p:nvSpPr>
-          <p:cNvPr id="2" name="Espaço Reservado para Imagem de Slide 1"/>
+          <p:cNvPr id="2" name="Espaço Reservado para Imagem de Slide 1">
+            <a:extLst>
+              <a:ext uri="{FF2B5EF4-FFF2-40B4-BE49-F238E27FC236}">
+                <a16:creationId xmlns:a16="http://schemas.microsoft.com/office/drawing/2014/main" id="{191D5ADA-6AE4-B3F6-C83F-404B3329F31E}"/>
+              </a:ext>
+            </a:extLst>
+          </p:cNvPr>
           <p:cNvSpPr>
             <a:spLocks noGrp="1" noRot="1" noChangeAspect="1"/>
           </p:cNvSpPr>
@@ -3396,7 +3408,13 @@
       </p:sp>
       <p:sp>
         <p:nvSpPr>
-          <p:cNvPr id="3" name="Espaço Reservado para Anotações 2"/>
+          <p:cNvPr id="3" name="Espaço Reservado para Anotações 2">
+            <a:extLst>
+              <a:ext uri="{FF2B5EF4-FFF2-40B4-BE49-F238E27FC236}">
+                <a16:creationId xmlns:a16="http://schemas.microsoft.com/office/drawing/2014/main" id="{9926BCE4-1D94-F697-751C-17A7BF76F412}"/>
+              </a:ext>
+            </a:extLst>
+          </p:cNvPr>
           <p:cNvSpPr>
             <a:spLocks noGrp="1"/>
           </p:cNvSpPr>
@@ -3415,7 +3433,13 @@
       </p:sp>
       <p:sp>
         <p:nvSpPr>
-          <p:cNvPr id="4" name="Espaço Reservado para Cabeçalho 3"/>
+          <p:cNvPr id="4" name="Espaço Reservado para Cabeçalho 3">
+            <a:extLst>
+              <a:ext uri="{FF2B5EF4-FFF2-40B4-BE49-F238E27FC236}">
+                <a16:creationId xmlns:a16="http://schemas.microsoft.com/office/drawing/2014/main" id="{39BB3D03-EEE3-5287-60CA-4202846D0726}"/>
+              </a:ext>
+            </a:extLst>
+          </p:cNvPr>
           <p:cNvSpPr>
             <a:spLocks noGrp="1"/>
           </p:cNvSpPr>
@@ -3438,7 +3462,13 @@
       </p:sp>
       <p:sp>
         <p:nvSpPr>
-          <p:cNvPr id="5" name="Espaço Reservado para Rodapé 4"/>
+          <p:cNvPr id="5" name="Espaço Reservado para Rodapé 4">
+            <a:extLst>
+              <a:ext uri="{FF2B5EF4-FFF2-40B4-BE49-F238E27FC236}">
+                <a16:creationId xmlns:a16="http://schemas.microsoft.com/office/drawing/2014/main" id="{E1F48C61-164F-83F2-56AC-2E544A8717A1}"/>
+              </a:ext>
+            </a:extLst>
+          </p:cNvPr>
           <p:cNvSpPr>
             <a:spLocks noGrp="1"/>
           </p:cNvSpPr>
@@ -3492,7 +3522,13 @@
       </p:sp>
       <p:sp>
         <p:nvSpPr>
-          <p:cNvPr id="6" name="Espaço Reservado para Data 5"/>
+          <p:cNvPr id="6" name="Espaço Reservado para Data 5">
+            <a:extLst>
+              <a:ext uri="{FF2B5EF4-FFF2-40B4-BE49-F238E27FC236}">
+                <a16:creationId xmlns:a16="http://schemas.microsoft.com/office/drawing/2014/main" id="{6BE2228F-6B49-4599-7275-B696C8D51F20}"/>
+              </a:ext>
+            </a:extLst>
+          </p:cNvPr>
           <p:cNvSpPr>
             <a:spLocks noGrp="1"/>
           </p:cNvSpPr>
@@ -3507,7 +3543,7 @@
           <a:p>
             <a:fld id="{38EEC551-8CDA-4EB6-89BB-2A86C9F091C8}" type="datetime8">
               <a:rPr lang="en-US" smtClean="0"/>
-              <a:t>12/11/2024 7:38 PM</a:t>
+              <a:t>12/11/2024 7:42 PM</a:t>
             </a:fld>
             <a:endParaRPr lang="en-US" dirty="0"/>
           </a:p>
@@ -3515,7 +3551,13 @@
       </p:sp>
       <p:sp>
         <p:nvSpPr>
-          <p:cNvPr id="7" name="Espaço Reservado para Número de Slide 6"/>
+          <p:cNvPr id="7" name="Espaço Reservado para Número de Slide 6">
+            <a:extLst>
+              <a:ext uri="{FF2B5EF4-FFF2-40B4-BE49-F238E27FC236}">
+                <a16:creationId xmlns:a16="http://schemas.microsoft.com/office/drawing/2014/main" id="{D5979304-98C1-DED5-A0BC-536B799B3356}"/>
+              </a:ext>
+            </a:extLst>
+          </p:cNvPr>
           <p:cNvSpPr>
             <a:spLocks noGrp="1"/>
           </p:cNvSpPr>
@@ -3540,7 +3582,7 @@
     </p:spTree>
     <p:extLst>
       <p:ext uri="{BB962C8B-B14F-4D97-AF65-F5344CB8AC3E}">
-        <p14:creationId xmlns:p14="http://schemas.microsoft.com/office/powerpoint/2010/main" val="443476464"/>
+        <p14:creationId xmlns:p14="http://schemas.microsoft.com/office/powerpoint/2010/main" val="1322584293"/>
       </p:ext>
     </p:extLst>
   </p:cSld>
@@ -3728,7 +3770,7 @@
           <a:p>
             <a:fld id="{38EEC551-8CDA-4EB6-89BB-2A86C9F091C8}" type="datetime8">
               <a:rPr lang="en-US" smtClean="0"/>
-              <a:t>12/11/2024 7:38 PM</a:t>
+              <a:t>12/11/2024 7:42 PM</a:t>
             </a:fld>
             <a:endParaRPr lang="en-US" dirty="0"/>
           </a:p>
@@ -3767,7 +3809,7 @@
     </p:spTree>
     <p:extLst>
       <p:ext uri="{BB962C8B-B14F-4D97-AF65-F5344CB8AC3E}">
-        <p14:creationId xmlns:p14="http://schemas.microsoft.com/office/powerpoint/2010/main" val="1322584293"/>
+        <p14:creationId xmlns:p14="http://schemas.microsoft.com/office/powerpoint/2010/main" val="3406564341"/>
       </p:ext>
     </p:extLst>
   </p:cSld>
@@ -3785,7 +3827,7 @@
         <p:cNvPr id="1" name="">
           <a:extLst>
             <a:ext uri="{FF2B5EF4-FFF2-40B4-BE49-F238E27FC236}">
-              <a16:creationId xmlns:a16="http://schemas.microsoft.com/office/drawing/2014/main" id="{13C65639-B6BE-D0C5-7B6D-CF87244FA7CB}"/>
+              <a16:creationId xmlns:a16="http://schemas.microsoft.com/office/drawing/2014/main" id="{95CAB576-FEF9-C7A0-B686-7F37E5C6D70D}"/>
             </a:ext>
           </a:extLst>
         </p:cNvPr>
@@ -3805,7 +3847,7 @@
           <p:cNvPr id="2" name="Espaço Reservado para Imagem de Slide 1">
             <a:extLst>
               <a:ext uri="{FF2B5EF4-FFF2-40B4-BE49-F238E27FC236}">
-                <a16:creationId xmlns:a16="http://schemas.microsoft.com/office/drawing/2014/main" id="{191D5ADA-6AE4-B3F6-C83F-404B3329F31E}"/>
+                <a16:creationId xmlns:a16="http://schemas.microsoft.com/office/drawing/2014/main" id="{3A60A82B-F571-0D14-5E82-B5306F4587AE}"/>
               </a:ext>
             </a:extLst>
           </p:cNvPr>
@@ -3823,7 +3865,7 @@
           <p:cNvPr id="3" name="Espaço Reservado para Anotações 2">
             <a:extLst>
               <a:ext uri="{FF2B5EF4-FFF2-40B4-BE49-F238E27FC236}">
-                <a16:creationId xmlns:a16="http://schemas.microsoft.com/office/drawing/2014/main" id="{9926BCE4-1D94-F697-751C-17A7BF76F412}"/>
+                <a16:creationId xmlns:a16="http://schemas.microsoft.com/office/drawing/2014/main" id="{61577D54-8910-7866-70C9-B956C9252C5C}"/>
               </a:ext>
             </a:extLst>
           </p:cNvPr>
@@ -3848,7 +3890,7 @@
           <p:cNvPr id="4" name="Espaço Reservado para Cabeçalho 3">
             <a:extLst>
               <a:ext uri="{FF2B5EF4-FFF2-40B4-BE49-F238E27FC236}">
-                <a16:creationId xmlns:a16="http://schemas.microsoft.com/office/drawing/2014/main" id="{39BB3D03-EEE3-5287-60CA-4202846D0726}"/>
+                <a16:creationId xmlns:a16="http://schemas.microsoft.com/office/drawing/2014/main" id="{0B9632B9-CF8C-B404-8814-89351B8DCB84}"/>
               </a:ext>
             </a:extLst>
           </p:cNvPr>
@@ -3877,7 +3919,7 @@
           <p:cNvPr id="5" name="Espaço Reservado para Rodapé 4">
             <a:extLst>
               <a:ext uri="{FF2B5EF4-FFF2-40B4-BE49-F238E27FC236}">
-                <a16:creationId xmlns:a16="http://schemas.microsoft.com/office/drawing/2014/main" id="{E1F48C61-164F-83F2-56AC-2E544A8717A1}"/>
+                <a16:creationId xmlns:a16="http://schemas.microsoft.com/office/drawing/2014/main" id="{1AB70AF0-F613-B3F3-2975-ACDA0DDAFC47}"/>
               </a:ext>
             </a:extLst>
           </p:cNvPr>
@@ -3937,7 +3979,7 @@
           <p:cNvPr id="6" name="Espaço Reservado para Data 5">
             <a:extLst>
               <a:ext uri="{FF2B5EF4-FFF2-40B4-BE49-F238E27FC236}">
-                <a16:creationId xmlns:a16="http://schemas.microsoft.com/office/drawing/2014/main" id="{6BE2228F-6B49-4599-7275-B696C8D51F20}"/>
+                <a16:creationId xmlns:a16="http://schemas.microsoft.com/office/drawing/2014/main" id="{CA634CD0-6FAF-8F80-777E-8250561AC06F}"/>
               </a:ext>
             </a:extLst>
           </p:cNvPr>
@@ -3955,7 +3997,7 @@
           <a:p>
             <a:fld id="{38EEC551-8CDA-4EB6-89BB-2A86C9F091C8}" type="datetime8">
               <a:rPr lang="en-US" smtClean="0"/>
-              <a:t>12/11/2024 7:38 PM</a:t>
+              <a:t>12/11/2024 9:01 PM</a:t>
             </a:fld>
             <a:endParaRPr lang="en-US" dirty="0"/>
           </a:p>
@@ -3966,7 +4008,7 @@
           <p:cNvPr id="7" name="Espaço Reservado para Número de Slide 6">
             <a:extLst>
               <a:ext uri="{FF2B5EF4-FFF2-40B4-BE49-F238E27FC236}">
-                <a16:creationId xmlns:a16="http://schemas.microsoft.com/office/drawing/2014/main" id="{D5979304-98C1-DED5-A0BC-536B799B3356}"/>
+                <a16:creationId xmlns:a16="http://schemas.microsoft.com/office/drawing/2014/main" id="{55221460-6235-0A30-C2F9-BEECB3A7AE7D}"/>
               </a:ext>
             </a:extLst>
           </p:cNvPr>
@@ -3994,7 +4036,7 @@
     </p:spTree>
     <p:extLst>
       <p:ext uri="{BB962C8B-B14F-4D97-AF65-F5344CB8AC3E}">
-        <p14:creationId xmlns:p14="http://schemas.microsoft.com/office/powerpoint/2010/main" val="3406564341"/>
+        <p14:creationId xmlns:p14="http://schemas.microsoft.com/office/powerpoint/2010/main" val="1582635481"/>
       </p:ext>
     </p:extLst>
   </p:cSld>
@@ -4182,7 +4224,7 @@
           <a:p>
             <a:fld id="{38EEC551-8CDA-4EB6-89BB-2A86C9F091C8}" type="datetime8">
               <a:rPr lang="en-US" smtClean="0"/>
-              <a:t>12/11/2024 7:38 PM</a:t>
+              <a:t>12/11/2024 7:42 PM</a:t>
             </a:fld>
             <a:endParaRPr lang="en-US" dirty="0"/>
           </a:p>
@@ -4466,7 +4508,7 @@
                 <a:tabLst/>
                 <a:defRPr/>
               </a:pPr>
-              <a:t>12/11/2024 7:38 PM</a:t>
+              <a:t>12/11/2024 7:42 PM</a:t>
             </a:fld>
             <a:endParaRPr kumimoji="0" lang="en-US" sz="1800" b="0" i="0" u="none" strike="noStrike" kern="0" cap="none" spc="0" normalizeH="0" baseline="0" noProof="0">
               <a:ln>
@@ -4622,12 +4664,12 @@
       </p:sp>
       <p:sp>
         <p:nvSpPr>
-          <p:cNvPr id="4" name="Espaço Reservado para Número de Slide 3"/>
+          <p:cNvPr id="4" name="Espaço Reservado para Cabeçalho 3"/>
           <p:cNvSpPr>
             <a:spLocks noGrp="1"/>
           </p:cNvSpPr>
           <p:nvPr>
-            <p:ph type="sldNum" sz="quarter" idx="10"/>
+            <p:ph type="hdr" sz="quarter" idx="10"/>
           </p:nvPr>
         </p:nvSpPr>
         <p:spPr/>
@@ -4635,19 +4677,119 @@
           <a:bodyPr/>
           <a:lstStyle/>
           <a:p>
-            <a:fld id="{8B263312-38AA-4E1E-B2B5-0F8F122B24FE}" type="slidenum">
+            <a:r>
+              <a:rPr lang="en-US"/>
+              <a:t>Microsoft Ignite 2016</a:t>
+            </a:r>
+            <a:endParaRPr lang="en-US" dirty="0"/>
+          </a:p>
+        </p:txBody>
+      </p:sp>
+      <p:sp>
+        <p:nvSpPr>
+          <p:cNvPr id="5" name="Espaço Reservado para Rodapé 4"/>
+          <p:cNvSpPr>
+            <a:spLocks noGrp="1"/>
+          </p:cNvSpPr>
+          <p:nvPr>
+            <p:ph type="ftr" sz="quarter" idx="11"/>
+          </p:nvPr>
+        </p:nvSpPr>
+        <p:spPr/>
+        <p:txBody>
+          <a:bodyPr/>
+          <a:lstStyle/>
+          <a:p>
+            <a:pPr defTabSz="914099" eaLnBrk="0" hangingPunct="0"/>
+            <a:r>
+              <a:rPr lang="en-US" sz="400">
+                <a:gradFill>
+                  <a:gsLst>
+                    <a:gs pos="0">
+                      <a:prstClr val="black"/>
+                    </a:gs>
+                    <a:gs pos="100000">
+                      <a:prstClr val="black"/>
+                    </a:gs>
+                  </a:gsLst>
+                  <a:lin ang="5400000" scaled="0"/>
+                </a:gradFill>
+                <a:latin typeface="Segoe UI" pitchFamily="34" charset="0"/>
+                <a:ea typeface="Segoe UI" pitchFamily="34" charset="0"/>
+                <a:cs typeface="Segoe UI" pitchFamily="34" charset="0"/>
+              </a:rPr>
+              <a:t>© 2016 Microsoft Corporation. All rights reserved. MICROSOFT MAKES NO WARRANTIES, EXPRESS, IMPLIED OR STATUTORY, AS TO THE INFORMATION IN THIS PRESENTATION.</a:t>
+            </a:r>
+            <a:endParaRPr lang="en-US" sz="400" dirty="0">
+              <a:gradFill>
+                <a:gsLst>
+                  <a:gs pos="0">
+                    <a:prstClr val="black"/>
+                  </a:gs>
+                  <a:gs pos="100000">
+                    <a:prstClr val="black"/>
+                  </a:gs>
+                </a:gsLst>
+                <a:lin ang="5400000" scaled="0"/>
+              </a:gradFill>
+              <a:latin typeface="Segoe UI" pitchFamily="34" charset="0"/>
+              <a:ea typeface="Segoe UI" pitchFamily="34" charset="0"/>
+              <a:cs typeface="Segoe UI" pitchFamily="34" charset="0"/>
+            </a:endParaRPr>
+          </a:p>
+        </p:txBody>
+      </p:sp>
+      <p:sp>
+        <p:nvSpPr>
+          <p:cNvPr id="6" name="Espaço Reservado para Data 5"/>
+          <p:cNvSpPr>
+            <a:spLocks noGrp="1"/>
+          </p:cNvSpPr>
+          <p:nvPr>
+            <p:ph type="dt" idx="12"/>
+          </p:nvPr>
+        </p:nvSpPr>
+        <p:spPr/>
+        <p:txBody>
+          <a:bodyPr/>
+          <a:lstStyle/>
+          <a:p>
+            <a:fld id="{38EEC551-8CDA-4EB6-89BB-2A86C9F091C8}" type="datetime8">
+              <a:rPr lang="en-US" smtClean="0"/>
+              <a:t>12/11/2024 7:42 PM</a:t>
+            </a:fld>
+            <a:endParaRPr lang="en-US" dirty="0"/>
+          </a:p>
+        </p:txBody>
+      </p:sp>
+      <p:sp>
+        <p:nvSpPr>
+          <p:cNvPr id="7" name="Espaço Reservado para Número de Slide 6"/>
+          <p:cNvSpPr>
+            <a:spLocks noGrp="1"/>
+          </p:cNvSpPr>
+          <p:nvPr>
+            <p:ph type="sldNum" sz="quarter" idx="13"/>
+          </p:nvPr>
+        </p:nvSpPr>
+        <p:spPr/>
+        <p:txBody>
+          <a:bodyPr/>
+          <a:lstStyle/>
+          <a:p>
+            <a:fld id="{B4008EB6-D09E-4580-8CD6-DDB14511944F}" type="slidenum">
               <a:rPr lang="en-US" smtClean="0"/>
               <a:pPr/>
               <a:t>3</a:t>
             </a:fld>
-            <a:endParaRPr lang="en-US"/>
+            <a:endParaRPr lang="en-US" dirty="0"/>
           </a:p>
         </p:txBody>
       </p:sp>
     </p:spTree>
     <p:extLst>
       <p:ext uri="{BB962C8B-B14F-4D97-AF65-F5344CB8AC3E}">
-        <p14:creationId xmlns:p14="http://schemas.microsoft.com/office/powerpoint/2010/main" val="2949680588"/>
+        <p14:creationId xmlns:p14="http://schemas.microsoft.com/office/powerpoint/2010/main" val="2031934037"/>
       </p:ext>
     </p:extLst>
   </p:cSld>
@@ -4799,7 +4941,7 @@
           <a:p>
             <a:fld id="{38EEC551-8CDA-4EB6-89BB-2A86C9F091C8}" type="datetime8">
               <a:rPr lang="en-US" smtClean="0"/>
-              <a:t>12/11/2024 7:38 PM</a:t>
+              <a:t>12/11/2024 7:42 PM</a:t>
             </a:fld>
             <a:endParaRPr lang="en-US" dirty="0"/>
           </a:p>
@@ -4984,7 +5126,7 @@
           <a:p>
             <a:fld id="{38EEC551-8CDA-4EB6-89BB-2A86C9F091C8}" type="datetime8">
               <a:rPr lang="en-US" smtClean="0"/>
-              <a:t>12/11/2024 7:38 PM</a:t>
+              <a:t>12/11/2024 7:42 PM</a:t>
             </a:fld>
             <a:endParaRPr lang="en-US" dirty="0"/>
           </a:p>
@@ -5009,191 +5151,6 @@
               <a:rPr lang="en-US" smtClean="0"/>
               <a:pPr/>
               <a:t>5</a:t>
-            </a:fld>
-            <a:endParaRPr lang="en-US" dirty="0"/>
-          </a:p>
-        </p:txBody>
-      </p:sp>
-    </p:spTree>
-    <p:extLst>
-      <p:ext uri="{BB962C8B-B14F-4D97-AF65-F5344CB8AC3E}">
-        <p14:creationId xmlns:p14="http://schemas.microsoft.com/office/powerpoint/2010/main" val="2031934037"/>
-      </p:ext>
-    </p:extLst>
-  </p:cSld>
-  <p:clrMapOvr>
-    <a:masterClrMapping/>
-  </p:clrMapOvr>
-</p:notes>
-</file>
-
-<file path=ppt/notesSlides/notesSlide6.xml><?xml version="1.0" encoding="utf-8"?>
-<p:notes xmlns:a="http://schemas.openxmlformats.org/drawingml/2006/main" xmlns:r="http://schemas.openxmlformats.org/officeDocument/2006/relationships" xmlns:p="http://schemas.openxmlformats.org/presentationml/2006/main">
-  <p:cSld>
-    <p:spTree>
-      <p:nvGrpSpPr>
-        <p:cNvPr id="1" name=""/>
-        <p:cNvGrpSpPr/>
-        <p:nvPr/>
-      </p:nvGrpSpPr>
-      <p:grpSpPr>
-        <a:xfrm>
-          <a:off x="0" y="0"/>
-          <a:ext cx="0" cy="0"/>
-          <a:chOff x="0" y="0"/>
-          <a:chExt cx="0" cy="0"/>
-        </a:xfrm>
-      </p:grpSpPr>
-      <p:sp>
-        <p:nvSpPr>
-          <p:cNvPr id="2" name="Espaço Reservado para Imagem de Slide 1"/>
-          <p:cNvSpPr>
-            <a:spLocks noGrp="1" noRot="1" noChangeAspect="1"/>
-          </p:cNvSpPr>
-          <p:nvPr>
-            <p:ph type="sldImg"/>
-          </p:nvPr>
-        </p:nvSpPr>
-        <p:spPr/>
-      </p:sp>
-      <p:sp>
-        <p:nvSpPr>
-          <p:cNvPr id="3" name="Espaço Reservado para Anotações 2"/>
-          <p:cNvSpPr>
-            <a:spLocks noGrp="1"/>
-          </p:cNvSpPr>
-          <p:nvPr>
-            <p:ph type="body" idx="1"/>
-          </p:nvPr>
-        </p:nvSpPr>
-        <p:spPr/>
-        <p:txBody>
-          <a:bodyPr/>
-          <a:lstStyle/>
-          <a:p>
-            <a:endParaRPr lang="pt-BR" dirty="0"/>
-          </a:p>
-        </p:txBody>
-      </p:sp>
-      <p:sp>
-        <p:nvSpPr>
-          <p:cNvPr id="4" name="Espaço Reservado para Cabeçalho 3"/>
-          <p:cNvSpPr>
-            <a:spLocks noGrp="1"/>
-          </p:cNvSpPr>
-          <p:nvPr>
-            <p:ph type="hdr" sz="quarter" idx="10"/>
-          </p:nvPr>
-        </p:nvSpPr>
-        <p:spPr/>
-        <p:txBody>
-          <a:bodyPr/>
-          <a:lstStyle/>
-          <a:p>
-            <a:r>
-              <a:rPr lang="en-US"/>
-              <a:t>Microsoft Ignite 2016</a:t>
-            </a:r>
-            <a:endParaRPr lang="en-US" dirty="0"/>
-          </a:p>
-        </p:txBody>
-      </p:sp>
-      <p:sp>
-        <p:nvSpPr>
-          <p:cNvPr id="5" name="Espaço Reservado para Rodapé 4"/>
-          <p:cNvSpPr>
-            <a:spLocks noGrp="1"/>
-          </p:cNvSpPr>
-          <p:nvPr>
-            <p:ph type="ftr" sz="quarter" idx="11"/>
-          </p:nvPr>
-        </p:nvSpPr>
-        <p:spPr/>
-        <p:txBody>
-          <a:bodyPr/>
-          <a:lstStyle/>
-          <a:p>
-            <a:pPr defTabSz="914099" eaLnBrk="0" hangingPunct="0"/>
-            <a:r>
-              <a:rPr lang="en-US" sz="400">
-                <a:gradFill>
-                  <a:gsLst>
-                    <a:gs pos="0">
-                      <a:prstClr val="black"/>
-                    </a:gs>
-                    <a:gs pos="100000">
-                      <a:prstClr val="black"/>
-                    </a:gs>
-                  </a:gsLst>
-                  <a:lin ang="5400000" scaled="0"/>
-                </a:gradFill>
-                <a:latin typeface="Segoe UI" pitchFamily="34" charset="0"/>
-                <a:ea typeface="Segoe UI" pitchFamily="34" charset="0"/>
-                <a:cs typeface="Segoe UI" pitchFamily="34" charset="0"/>
-              </a:rPr>
-              <a:t>© 2016 Microsoft Corporation. All rights reserved. MICROSOFT MAKES NO WARRANTIES, EXPRESS, IMPLIED OR STATUTORY, AS TO THE INFORMATION IN THIS PRESENTATION.</a:t>
-            </a:r>
-            <a:endParaRPr lang="en-US" sz="400" dirty="0">
-              <a:gradFill>
-                <a:gsLst>
-                  <a:gs pos="0">
-                    <a:prstClr val="black"/>
-                  </a:gs>
-                  <a:gs pos="100000">
-                    <a:prstClr val="black"/>
-                  </a:gs>
-                </a:gsLst>
-                <a:lin ang="5400000" scaled="0"/>
-              </a:gradFill>
-              <a:latin typeface="Segoe UI" pitchFamily="34" charset="0"/>
-              <a:ea typeface="Segoe UI" pitchFamily="34" charset="0"/>
-              <a:cs typeface="Segoe UI" pitchFamily="34" charset="0"/>
-            </a:endParaRPr>
-          </a:p>
-        </p:txBody>
-      </p:sp>
-      <p:sp>
-        <p:nvSpPr>
-          <p:cNvPr id="6" name="Espaço Reservado para Data 5"/>
-          <p:cNvSpPr>
-            <a:spLocks noGrp="1"/>
-          </p:cNvSpPr>
-          <p:nvPr>
-            <p:ph type="dt" idx="12"/>
-          </p:nvPr>
-        </p:nvSpPr>
-        <p:spPr/>
-        <p:txBody>
-          <a:bodyPr/>
-          <a:lstStyle/>
-          <a:p>
-            <a:fld id="{38EEC551-8CDA-4EB6-89BB-2A86C9F091C8}" type="datetime8">
-              <a:rPr lang="en-US" smtClean="0"/>
-              <a:t>12/11/2024 7:38 PM</a:t>
-            </a:fld>
-            <a:endParaRPr lang="en-US" dirty="0"/>
-          </a:p>
-        </p:txBody>
-      </p:sp>
-      <p:sp>
-        <p:nvSpPr>
-          <p:cNvPr id="7" name="Espaço Reservado para Número de Slide 6"/>
-          <p:cNvSpPr>
-            <a:spLocks noGrp="1"/>
-          </p:cNvSpPr>
-          <p:nvPr>
-            <p:ph type="sldNum" sz="quarter" idx="13"/>
-          </p:nvPr>
-        </p:nvSpPr>
-        <p:spPr/>
-        <p:txBody>
-          <a:bodyPr/>
-          <a:lstStyle/>
-          <a:p>
-            <a:fld id="{B4008EB6-D09E-4580-8CD6-DDB14511944F}" type="slidenum">
-              <a:rPr lang="en-US" smtClean="0"/>
-              <a:pPr/>
-              <a:t>6</a:t>
             </a:fld>
             <a:endParaRPr lang="en-US" dirty="0"/>
           </a:p>
@@ -5212,7 +5169,7 @@
 </p:notes>
 </file>
 
-<file path=ppt/notesSlides/notesSlide7.xml><?xml version="1.0" encoding="utf-8"?>
+<file path=ppt/notesSlides/notesSlide6.xml><?xml version="1.0" encoding="utf-8"?>
 <p:notes xmlns:a="http://schemas.openxmlformats.org/drawingml/2006/main" xmlns:r="http://schemas.openxmlformats.org/officeDocument/2006/relationships" xmlns:p="http://schemas.openxmlformats.org/presentationml/2006/main">
   <p:cSld>
     <p:spTree>
@@ -5390,7 +5347,7 @@
           <a:p>
             <a:fld id="{38EEC551-8CDA-4EB6-89BB-2A86C9F091C8}" type="datetime8">
               <a:rPr lang="en-US" smtClean="0"/>
-              <a:t>12/11/2024 7:38 PM</a:t>
+              <a:t>12/11/2024 7:42 PM</a:t>
             </a:fld>
             <a:endParaRPr lang="en-US" dirty="0"/>
           </a:p>
@@ -5420,7 +5377,7 @@
             <a:fld id="{B4008EB6-D09E-4580-8CD6-DDB14511944F}" type="slidenum">
               <a:rPr lang="en-US" smtClean="0"/>
               <a:pPr/>
-              <a:t>7</a:t>
+              <a:t>6</a:t>
             </a:fld>
             <a:endParaRPr lang="en-US" dirty="0"/>
           </a:p>
@@ -5430,6 +5387,191 @@
     <p:extLst>
       <p:ext uri="{BB962C8B-B14F-4D97-AF65-F5344CB8AC3E}">
         <p14:creationId xmlns:p14="http://schemas.microsoft.com/office/powerpoint/2010/main" val="1030869664"/>
+      </p:ext>
+    </p:extLst>
+  </p:cSld>
+  <p:clrMapOvr>
+    <a:masterClrMapping/>
+  </p:clrMapOvr>
+</p:notes>
+</file>
+
+<file path=ppt/notesSlides/notesSlide7.xml><?xml version="1.0" encoding="utf-8"?>
+<p:notes xmlns:a="http://schemas.openxmlformats.org/drawingml/2006/main" xmlns:r="http://schemas.openxmlformats.org/officeDocument/2006/relationships" xmlns:p="http://schemas.openxmlformats.org/presentationml/2006/main">
+  <p:cSld>
+    <p:spTree>
+      <p:nvGrpSpPr>
+        <p:cNvPr id="1" name=""/>
+        <p:cNvGrpSpPr/>
+        <p:nvPr/>
+      </p:nvGrpSpPr>
+      <p:grpSpPr>
+        <a:xfrm>
+          <a:off x="0" y="0"/>
+          <a:ext cx="0" cy="0"/>
+          <a:chOff x="0" y="0"/>
+          <a:chExt cx="0" cy="0"/>
+        </a:xfrm>
+      </p:grpSpPr>
+      <p:sp>
+        <p:nvSpPr>
+          <p:cNvPr id="2" name="Espaço Reservado para Imagem de Slide 1"/>
+          <p:cNvSpPr>
+            <a:spLocks noGrp="1" noRot="1" noChangeAspect="1"/>
+          </p:cNvSpPr>
+          <p:nvPr>
+            <p:ph type="sldImg"/>
+          </p:nvPr>
+        </p:nvSpPr>
+        <p:spPr/>
+      </p:sp>
+      <p:sp>
+        <p:nvSpPr>
+          <p:cNvPr id="3" name="Espaço Reservado para Anotações 2"/>
+          <p:cNvSpPr>
+            <a:spLocks noGrp="1"/>
+          </p:cNvSpPr>
+          <p:nvPr>
+            <p:ph type="body" idx="1"/>
+          </p:nvPr>
+        </p:nvSpPr>
+        <p:spPr/>
+        <p:txBody>
+          <a:bodyPr/>
+          <a:lstStyle/>
+          <a:p>
+            <a:endParaRPr lang="pt-BR" dirty="0"/>
+          </a:p>
+        </p:txBody>
+      </p:sp>
+      <p:sp>
+        <p:nvSpPr>
+          <p:cNvPr id="4" name="Espaço Reservado para Cabeçalho 3"/>
+          <p:cNvSpPr>
+            <a:spLocks noGrp="1"/>
+          </p:cNvSpPr>
+          <p:nvPr>
+            <p:ph type="hdr" sz="quarter" idx="10"/>
+          </p:nvPr>
+        </p:nvSpPr>
+        <p:spPr/>
+        <p:txBody>
+          <a:bodyPr/>
+          <a:lstStyle/>
+          <a:p>
+            <a:r>
+              <a:rPr lang="en-US"/>
+              <a:t>Microsoft Ignite 2016</a:t>
+            </a:r>
+            <a:endParaRPr lang="en-US" dirty="0"/>
+          </a:p>
+        </p:txBody>
+      </p:sp>
+      <p:sp>
+        <p:nvSpPr>
+          <p:cNvPr id="5" name="Espaço Reservado para Rodapé 4"/>
+          <p:cNvSpPr>
+            <a:spLocks noGrp="1"/>
+          </p:cNvSpPr>
+          <p:nvPr>
+            <p:ph type="ftr" sz="quarter" idx="11"/>
+          </p:nvPr>
+        </p:nvSpPr>
+        <p:spPr/>
+        <p:txBody>
+          <a:bodyPr/>
+          <a:lstStyle/>
+          <a:p>
+            <a:pPr defTabSz="914099" eaLnBrk="0" hangingPunct="0"/>
+            <a:r>
+              <a:rPr lang="en-US" sz="400">
+                <a:gradFill>
+                  <a:gsLst>
+                    <a:gs pos="0">
+                      <a:prstClr val="black"/>
+                    </a:gs>
+                    <a:gs pos="100000">
+                      <a:prstClr val="black"/>
+                    </a:gs>
+                  </a:gsLst>
+                  <a:lin ang="5400000" scaled="0"/>
+                </a:gradFill>
+                <a:latin typeface="Segoe UI" pitchFamily="34" charset="0"/>
+                <a:ea typeface="Segoe UI" pitchFamily="34" charset="0"/>
+                <a:cs typeface="Segoe UI" pitchFamily="34" charset="0"/>
+              </a:rPr>
+              <a:t>© 2016 Microsoft Corporation. All rights reserved. MICROSOFT MAKES NO WARRANTIES, EXPRESS, IMPLIED OR STATUTORY, AS TO THE INFORMATION IN THIS PRESENTATION.</a:t>
+            </a:r>
+            <a:endParaRPr lang="en-US" sz="400" dirty="0">
+              <a:gradFill>
+                <a:gsLst>
+                  <a:gs pos="0">
+                    <a:prstClr val="black"/>
+                  </a:gs>
+                  <a:gs pos="100000">
+                    <a:prstClr val="black"/>
+                  </a:gs>
+                </a:gsLst>
+                <a:lin ang="5400000" scaled="0"/>
+              </a:gradFill>
+              <a:latin typeface="Segoe UI" pitchFamily="34" charset="0"/>
+              <a:ea typeface="Segoe UI" pitchFamily="34" charset="0"/>
+              <a:cs typeface="Segoe UI" pitchFamily="34" charset="0"/>
+            </a:endParaRPr>
+          </a:p>
+        </p:txBody>
+      </p:sp>
+      <p:sp>
+        <p:nvSpPr>
+          <p:cNvPr id="6" name="Espaço Reservado para Data 5"/>
+          <p:cNvSpPr>
+            <a:spLocks noGrp="1"/>
+          </p:cNvSpPr>
+          <p:nvPr>
+            <p:ph type="dt" idx="12"/>
+          </p:nvPr>
+        </p:nvSpPr>
+        <p:spPr/>
+        <p:txBody>
+          <a:bodyPr/>
+          <a:lstStyle/>
+          <a:p>
+            <a:fld id="{38EEC551-8CDA-4EB6-89BB-2A86C9F091C8}" type="datetime8">
+              <a:rPr lang="en-US" smtClean="0"/>
+              <a:t>12/11/2024 7:42 PM</a:t>
+            </a:fld>
+            <a:endParaRPr lang="en-US" dirty="0"/>
+          </a:p>
+        </p:txBody>
+      </p:sp>
+      <p:sp>
+        <p:nvSpPr>
+          <p:cNvPr id="7" name="Espaço Reservado para Número de Slide 6"/>
+          <p:cNvSpPr>
+            <a:spLocks noGrp="1"/>
+          </p:cNvSpPr>
+          <p:nvPr>
+            <p:ph type="sldNum" sz="quarter" idx="13"/>
+          </p:nvPr>
+        </p:nvSpPr>
+        <p:spPr/>
+        <p:txBody>
+          <a:bodyPr/>
+          <a:lstStyle/>
+          <a:p>
+            <a:fld id="{B4008EB6-D09E-4580-8CD6-DDB14511944F}" type="slidenum">
+              <a:rPr lang="en-US" smtClean="0"/>
+              <a:pPr/>
+              <a:t>7</a:t>
+            </a:fld>
+            <a:endParaRPr lang="en-US" dirty="0"/>
+          </a:p>
+        </p:txBody>
+      </p:sp>
+    </p:spTree>
+    <p:extLst>
+      <p:ext uri="{BB962C8B-B14F-4D97-AF65-F5344CB8AC3E}">
+        <p14:creationId xmlns:p14="http://schemas.microsoft.com/office/powerpoint/2010/main" val="1432934961"/>
       </p:ext>
     </p:extLst>
   </p:cSld>
@@ -5581,7 +5723,7 @@
           <a:p>
             <a:fld id="{38EEC551-8CDA-4EB6-89BB-2A86C9F091C8}" type="datetime8">
               <a:rPr lang="en-US" smtClean="0"/>
-              <a:t>12/11/2024 7:38 PM</a:t>
+              <a:t>12/11/2024 7:42 PM</a:t>
             </a:fld>
             <a:endParaRPr lang="en-US" dirty="0"/>
           </a:p>
@@ -5614,7 +5756,7 @@
     </p:spTree>
     <p:extLst>
       <p:ext uri="{BB962C8B-B14F-4D97-AF65-F5344CB8AC3E}">
-        <p14:creationId xmlns:p14="http://schemas.microsoft.com/office/powerpoint/2010/main" val="1432934961"/>
+        <p14:creationId xmlns:p14="http://schemas.microsoft.com/office/powerpoint/2010/main" val="744494220"/>
       </p:ext>
     </p:extLst>
   </p:cSld>
@@ -5766,7 +5908,7 @@
           <a:p>
             <a:fld id="{38EEC551-8CDA-4EB6-89BB-2A86C9F091C8}" type="datetime8">
               <a:rPr lang="en-US" smtClean="0"/>
-              <a:t>12/11/2024 7:38 PM</a:t>
+              <a:t>12/11/2024 7:42 PM</a:t>
             </a:fld>
             <a:endParaRPr lang="en-US" dirty="0"/>
           </a:p>
@@ -5799,7 +5941,7 @@
     </p:spTree>
     <p:extLst>
       <p:ext uri="{BB962C8B-B14F-4D97-AF65-F5344CB8AC3E}">
-        <p14:creationId xmlns:p14="http://schemas.microsoft.com/office/powerpoint/2010/main" val="744494220"/>
+        <p14:creationId xmlns:p14="http://schemas.microsoft.com/office/powerpoint/2010/main" val="3386416500"/>
       </p:ext>
     </p:extLst>
   </p:cSld>
@@ -29537,261 +29679,6 @@
           <a:lstStyle/>
           <a:p>
             <a:r>
-              <a:rPr lang="en-US" sz="4000" dirty="0">
-                <a:solidFill>
-                  <a:schemeClr val="accent3">
-                    <a:lumMod val="75000"/>
-                  </a:schemeClr>
-                </a:solidFill>
-              </a:rPr>
-              <a:t>API2:2023 - Broken Authentication</a:t>
-            </a:r>
-            <a:endParaRPr lang="pt-BR" sz="4000" dirty="0">
-              <a:solidFill>
-                <a:schemeClr val="accent3">
-                  <a:lumMod val="75000"/>
-                </a:schemeClr>
-              </a:solidFill>
-            </a:endParaRPr>
-          </a:p>
-        </p:txBody>
-      </p:sp>
-      <p:sp>
-        <p:nvSpPr>
-          <p:cNvPr id="3" name="Espaço Reservado para Texto 2">
-            <a:extLst>
-              <a:ext uri="{FF2B5EF4-FFF2-40B4-BE49-F238E27FC236}">
-                <a16:creationId xmlns:a16="http://schemas.microsoft.com/office/drawing/2014/main" id="{10F01629-F01C-4AE7-B7DB-6087E6CFCFAC}"/>
-              </a:ext>
-            </a:extLst>
-          </p:cNvPr>
-          <p:cNvSpPr>
-            <a:spLocks noGrp="1"/>
-          </p:cNvSpPr>
-          <p:nvPr>
-            <p:ph type="body" sz="quarter" idx="10"/>
-          </p:nvPr>
-        </p:nvSpPr>
-        <p:spPr>
-          <a:xfrm>
-            <a:off x="274639" y="1744662"/>
-            <a:ext cx="7008034" cy="4124206"/>
-          </a:xfrm>
-        </p:spPr>
-        <p:txBody>
-          <a:bodyPr/>
-          <a:lstStyle/>
-          <a:p>
-            <a:pPr marL="571500" indent="-571500">
-              <a:buFont typeface="Arial" panose="020B0604020202020204" pitchFamily="34" charset="0"/>
-              <a:buChar char="•"/>
-            </a:pPr>
-            <a:r>
-              <a:rPr lang="pt-BR" sz="3200" dirty="0">
-                <a:solidFill>
-                  <a:srgbClr val="494949"/>
-                </a:solidFill>
-              </a:rPr>
-              <a:t>Tokens de autenticação podem ser comprometidos através de manipulação dos dados</a:t>
-            </a:r>
-          </a:p>
-          <a:p>
-            <a:pPr marL="571500" indent="-571500">
-              <a:buFont typeface="Arial" panose="020B0604020202020204" pitchFamily="34" charset="0"/>
-              <a:buChar char="•"/>
-            </a:pPr>
-            <a:endParaRPr lang="pt-BR" sz="3200" dirty="0">
-              <a:solidFill>
-                <a:srgbClr val="494949"/>
-              </a:solidFill>
-            </a:endParaRPr>
-          </a:p>
-          <a:p>
-            <a:pPr marL="571500" indent="-571500">
-              <a:buFont typeface="Arial" panose="020B0604020202020204" pitchFamily="34" charset="0"/>
-              <a:buChar char="•"/>
-            </a:pPr>
-            <a:r>
-              <a:rPr lang="pt-BR" sz="3200" dirty="0">
-                <a:solidFill>
-                  <a:srgbClr val="494949"/>
-                </a:solidFill>
-              </a:rPr>
-              <a:t>Senhas fracas, </a:t>
-            </a:r>
-            <a:r>
-              <a:rPr lang="pt-BR" sz="3200" dirty="0" err="1">
-                <a:solidFill>
-                  <a:srgbClr val="494949"/>
-                </a:solidFill>
-              </a:rPr>
-              <a:t>credential</a:t>
-            </a:r>
-            <a:r>
-              <a:rPr lang="pt-BR" sz="3200" dirty="0">
-                <a:solidFill>
-                  <a:srgbClr val="494949"/>
-                </a:solidFill>
-              </a:rPr>
-              <a:t> </a:t>
-            </a:r>
-            <a:r>
-              <a:rPr lang="pt-BR" sz="3200" dirty="0" err="1">
-                <a:solidFill>
-                  <a:srgbClr val="494949"/>
-                </a:solidFill>
-              </a:rPr>
-              <a:t>stuffing</a:t>
-            </a:r>
-            <a:endParaRPr lang="pt-BR" sz="3200" dirty="0">
-              <a:solidFill>
-                <a:srgbClr val="494949"/>
-              </a:solidFill>
-            </a:endParaRPr>
-          </a:p>
-          <a:p>
-            <a:pPr marL="571500" indent="-571500">
-              <a:buFont typeface="Arial" panose="020B0604020202020204" pitchFamily="34" charset="0"/>
-              <a:buChar char="•"/>
-            </a:pPr>
-            <a:endParaRPr lang="pt-BR" sz="3200" dirty="0">
-              <a:solidFill>
-                <a:srgbClr val="494949"/>
-              </a:solidFill>
-            </a:endParaRPr>
-          </a:p>
-          <a:p>
-            <a:pPr marL="571500" indent="-571500">
-              <a:buFont typeface="Arial" panose="020B0604020202020204" pitchFamily="34" charset="0"/>
-              <a:buChar char="•"/>
-            </a:pPr>
-            <a:r>
-              <a:rPr lang="pt-BR" sz="3200" dirty="0">
-                <a:solidFill>
-                  <a:srgbClr val="494949"/>
-                </a:solidFill>
-              </a:rPr>
-              <a:t>JWT não envolve criptografia num </a:t>
-            </a:r>
-            <a:r>
-              <a:rPr lang="pt-BR" sz="3200" dirty="0" err="1">
-                <a:solidFill>
-                  <a:srgbClr val="494949"/>
-                </a:solidFill>
-              </a:rPr>
-              <a:t>payload</a:t>
-            </a:r>
-            <a:r>
-              <a:rPr lang="pt-BR" sz="3200" dirty="0">
-                <a:solidFill>
-                  <a:srgbClr val="494949"/>
-                </a:solidFill>
-              </a:rPr>
-              <a:t> (</a:t>
-            </a:r>
-            <a:r>
-              <a:rPr lang="pt-BR" sz="3200" b="1" dirty="0">
-                <a:solidFill>
-                  <a:srgbClr val="494949"/>
-                </a:solidFill>
-              </a:rPr>
-              <a:t>base64</a:t>
-            </a:r>
-            <a:r>
-              <a:rPr lang="pt-BR" sz="3200" dirty="0">
-                <a:solidFill>
-                  <a:srgbClr val="494949"/>
-                </a:solidFill>
-              </a:rPr>
-              <a:t>)</a:t>
-            </a:r>
-          </a:p>
-        </p:txBody>
-      </p:sp>
-      <p:pic>
-        <p:nvPicPr>
-          <p:cNvPr id="8" name="Imagem 7" descr="Forma&#10;&#10;Descrição gerada automaticamente com confiança média">
-            <a:extLst>
-              <a:ext uri="{FF2B5EF4-FFF2-40B4-BE49-F238E27FC236}">
-                <a16:creationId xmlns:a16="http://schemas.microsoft.com/office/drawing/2014/main" id="{E8B0235A-1BB9-BD0D-E8E0-571CFFA1C57A}"/>
-              </a:ext>
-            </a:extLst>
-          </p:cNvPr>
-          <p:cNvPicPr>
-            <a:picLocks noChangeAspect="1"/>
-          </p:cNvPicPr>
-          <p:nvPr/>
-        </p:nvPicPr>
-        <p:blipFill rotWithShape="1">
-          <a:blip r:embed="rId3"/>
-          <a:srcRect r="65806"/>
-          <a:stretch/>
-        </p:blipFill>
-        <p:spPr>
-          <a:xfrm>
-            <a:off x="8351837" y="1761862"/>
-            <a:ext cx="3429000" cy="3489816"/>
-          </a:xfrm>
-          <a:prstGeom prst="rect">
-            <a:avLst/>
-          </a:prstGeom>
-        </p:spPr>
-      </p:pic>
-    </p:spTree>
-    <p:extLst>
-      <p:ext uri="{BB962C8B-B14F-4D97-AF65-F5344CB8AC3E}">
-        <p14:creationId xmlns:p14="http://schemas.microsoft.com/office/powerpoint/2010/main" val="4135656978"/>
-      </p:ext>
-    </p:extLst>
-  </p:cSld>
-  <p:clrMapOvr>
-    <a:masterClrMapping/>
-  </p:clrMapOvr>
-  <p:transition>
-    <p:fade/>
-  </p:transition>
-</p:sld>
-</file>
-
-<file path=ppt/slides/slide11.xml><?xml version="1.0" encoding="utf-8"?>
-<p:sld xmlns:a="http://schemas.openxmlformats.org/drawingml/2006/main" xmlns:r="http://schemas.openxmlformats.org/officeDocument/2006/relationships" xmlns:p="http://schemas.openxmlformats.org/presentationml/2006/main">
-  <p:cSld>
-    <p:spTree>
-      <p:nvGrpSpPr>
-        <p:cNvPr id="1" name=""/>
-        <p:cNvGrpSpPr/>
-        <p:nvPr/>
-      </p:nvGrpSpPr>
-      <p:grpSpPr>
-        <a:xfrm>
-          <a:off x="0" y="0"/>
-          <a:ext cx="0" cy="0"/>
-          <a:chOff x="0" y="0"/>
-          <a:chExt cx="0" cy="0"/>
-        </a:xfrm>
-      </p:grpSpPr>
-      <p:sp>
-        <p:nvSpPr>
-          <p:cNvPr id="2" name="Título 1">
-            <a:extLst>
-              <a:ext uri="{FF2B5EF4-FFF2-40B4-BE49-F238E27FC236}">
-                <a16:creationId xmlns:a16="http://schemas.microsoft.com/office/drawing/2014/main" id="{8ADE097F-4825-4D14-B7FB-8434EC3B2C49}"/>
-              </a:ext>
-            </a:extLst>
-          </p:cNvPr>
-          <p:cNvSpPr>
-            <a:spLocks noGrp="1"/>
-          </p:cNvSpPr>
-          <p:nvPr>
-            <p:ph type="title"/>
-          </p:nvPr>
-        </p:nvSpPr>
-        <p:spPr/>
-        <p:txBody>
-          <a:bodyPr/>
-          <a:lstStyle/>
-          <a:p>
-            <a:r>
               <a:rPr lang="en-US" sz="3600" dirty="0">
                 <a:solidFill>
                   <a:schemeClr val="accent3">
@@ -29972,7 +29859,7 @@
 </p:sld>
 </file>
 
-<file path=ppt/slides/slide12.xml><?xml version="1.0" encoding="utf-8"?>
+<file path=ppt/slides/slide11.xml><?xml version="1.0" encoding="utf-8"?>
 <p:sld xmlns:a="http://schemas.openxmlformats.org/drawingml/2006/main" xmlns:r="http://schemas.openxmlformats.org/officeDocument/2006/relationships" xmlns:p="http://schemas.openxmlformats.org/presentationml/2006/main">
   <p:cSld>
     <p:spTree>
@@ -30190,7 +30077,7 @@
 </p:sld>
 </file>
 
-<file path=ppt/slides/slide13.xml><?xml version="1.0" encoding="utf-8"?>
+<file path=ppt/slides/slide12.xml><?xml version="1.0" encoding="utf-8"?>
 <p:sld xmlns:a="http://schemas.openxmlformats.org/drawingml/2006/main" xmlns:r="http://schemas.openxmlformats.org/officeDocument/2006/relationships" xmlns:p="http://schemas.openxmlformats.org/presentationml/2006/main">
   <p:cSld>
     <p:spTree>
@@ -30429,7 +30316,7 @@
 </p:sld>
 </file>
 
-<file path=ppt/slides/slide14.xml><?xml version="1.0" encoding="utf-8"?>
+<file path=ppt/slides/slide13.xml><?xml version="1.0" encoding="utf-8"?>
 <p:sld xmlns:a="http://schemas.openxmlformats.org/drawingml/2006/main" xmlns:r="http://schemas.openxmlformats.org/officeDocument/2006/relationships" xmlns:p="http://schemas.openxmlformats.org/presentationml/2006/main">
   <p:cSld>
     <p:spTree>
@@ -30539,7 +30426,7 @@
 </p:sld>
 </file>
 
-<file path=ppt/slides/slide15.xml><?xml version="1.0" encoding="utf-8"?>
+<file path=ppt/slides/slide14.xml><?xml version="1.0" encoding="utf-8"?>
 <p:sld xmlns:a="http://schemas.openxmlformats.org/drawingml/2006/main" xmlns:r="http://schemas.openxmlformats.org/officeDocument/2006/relationships" xmlns:p="http://schemas.openxmlformats.org/presentationml/2006/main">
   <p:cSld>
     <p:spTree>
@@ -30789,7 +30676,7 @@
 </p:sld>
 </file>
 
-<file path=ppt/slides/slide16.xml><?xml version="1.0" encoding="utf-8"?>
+<file path=ppt/slides/slide15.xml><?xml version="1.0" encoding="utf-8"?>
 <p:sld xmlns:a="http://schemas.openxmlformats.org/drawingml/2006/main" xmlns:r="http://schemas.openxmlformats.org/officeDocument/2006/relationships" xmlns:p="http://schemas.openxmlformats.org/presentationml/2006/main">
   <p:cSld>
     <p:spTree>
@@ -31024,7 +30911,7 @@
 </p:sld>
 </file>
 
-<file path=ppt/slides/slide17.xml><?xml version="1.0" encoding="utf-8"?>
+<file path=ppt/slides/slide16.xml><?xml version="1.0" encoding="utf-8"?>
 <p:sld xmlns:a="http://schemas.openxmlformats.org/drawingml/2006/main" xmlns:r="http://schemas.openxmlformats.org/officeDocument/2006/relationships" xmlns:p="http://schemas.openxmlformats.org/presentationml/2006/main">
   <p:cSld>
     <p:spTree>
@@ -31218,7 +31105,7 @@
 </p:sld>
 </file>
 
-<file path=ppt/slides/slide18.xml><?xml version="1.0" encoding="utf-8"?>
+<file path=ppt/slides/slide17.xml><?xml version="1.0" encoding="utf-8"?>
 <p:sld xmlns:a="http://schemas.openxmlformats.org/drawingml/2006/main" xmlns:r="http://schemas.openxmlformats.org/officeDocument/2006/relationships" xmlns:p="http://schemas.openxmlformats.org/presentationml/2006/main">
   <p:cSld>
     <p:spTree>
@@ -31395,7 +31282,7 @@
 </p:sld>
 </file>
 
-<file path=ppt/slides/slide19.xml><?xml version="1.0" encoding="utf-8"?>
+<file path=ppt/slides/slide18.xml><?xml version="1.0" encoding="utf-8"?>
 <p:sld xmlns:a="http://schemas.openxmlformats.org/drawingml/2006/main" xmlns:r="http://schemas.openxmlformats.org/officeDocument/2006/relationships" xmlns:p="http://schemas.openxmlformats.org/presentationml/2006/main">
   <p:cSld>
     <p:spTree>
@@ -31660,6 +31547,223 @@
     <p:extLst>
       <p:ext uri="{BB962C8B-B14F-4D97-AF65-F5344CB8AC3E}">
         <p14:creationId xmlns:p14="http://schemas.microsoft.com/office/powerpoint/2010/main" val="1917524615"/>
+      </p:ext>
+    </p:extLst>
+  </p:cSld>
+  <p:clrMapOvr>
+    <a:masterClrMapping/>
+  </p:clrMapOvr>
+  <p:transition>
+    <p:fade/>
+  </p:transition>
+</p:sld>
+</file>
+
+<file path=ppt/slides/slide19.xml><?xml version="1.0" encoding="utf-8"?>
+<p:sld xmlns:a="http://schemas.openxmlformats.org/drawingml/2006/main" xmlns:r="http://schemas.openxmlformats.org/officeDocument/2006/relationships" xmlns:p="http://schemas.openxmlformats.org/presentationml/2006/main">
+  <p:cSld>
+    <p:spTree>
+      <p:nvGrpSpPr>
+        <p:cNvPr id="1" name=""/>
+        <p:cNvGrpSpPr/>
+        <p:nvPr/>
+      </p:nvGrpSpPr>
+      <p:grpSpPr>
+        <a:xfrm>
+          <a:off x="0" y="0"/>
+          <a:ext cx="0" cy="0"/>
+          <a:chOff x="0" y="0"/>
+          <a:chExt cx="0" cy="0"/>
+        </a:xfrm>
+      </p:grpSpPr>
+      <p:sp>
+        <p:nvSpPr>
+          <p:cNvPr id="2" name="Título 1">
+            <a:extLst>
+              <a:ext uri="{FF2B5EF4-FFF2-40B4-BE49-F238E27FC236}">
+                <a16:creationId xmlns:a16="http://schemas.microsoft.com/office/drawing/2014/main" id="{8ADE097F-4825-4D14-B7FB-8434EC3B2C49}"/>
+              </a:ext>
+            </a:extLst>
+          </p:cNvPr>
+          <p:cNvSpPr>
+            <a:spLocks noGrp="1"/>
+          </p:cNvSpPr>
+          <p:nvPr>
+            <p:ph type="title"/>
+          </p:nvPr>
+        </p:nvSpPr>
+        <p:spPr/>
+        <p:txBody>
+          <a:bodyPr/>
+          <a:lstStyle/>
+          <a:p>
+            <a:r>
+              <a:rPr lang="pt-BR" dirty="0">
+                <a:solidFill>
+                  <a:schemeClr val="accent3">
+                    <a:lumMod val="75000"/>
+                  </a:schemeClr>
+                </a:solidFill>
+              </a:rPr>
+              <a:t>API8:2023 - Security </a:t>
+            </a:r>
+            <a:r>
+              <a:rPr lang="pt-BR" dirty="0" err="1">
+                <a:solidFill>
+                  <a:schemeClr val="accent3">
+                    <a:lumMod val="75000"/>
+                  </a:schemeClr>
+                </a:solidFill>
+              </a:rPr>
+              <a:t>Misconfiguration</a:t>
+            </a:r>
+            <a:endParaRPr lang="pt-BR" dirty="0">
+              <a:solidFill>
+                <a:schemeClr val="accent3">
+                  <a:lumMod val="75000"/>
+                </a:schemeClr>
+              </a:solidFill>
+            </a:endParaRPr>
+          </a:p>
+        </p:txBody>
+      </p:sp>
+      <p:sp>
+        <p:nvSpPr>
+          <p:cNvPr id="3" name="Espaço Reservado para Texto 2">
+            <a:extLst>
+              <a:ext uri="{FF2B5EF4-FFF2-40B4-BE49-F238E27FC236}">
+                <a16:creationId xmlns:a16="http://schemas.microsoft.com/office/drawing/2014/main" id="{10F01629-F01C-4AE7-B7DB-6087E6CFCFAC}"/>
+              </a:ext>
+            </a:extLst>
+          </p:cNvPr>
+          <p:cNvSpPr>
+            <a:spLocks noGrp="1"/>
+          </p:cNvSpPr>
+          <p:nvPr>
+            <p:ph type="body" sz="quarter" idx="10"/>
+          </p:nvPr>
+        </p:nvSpPr>
+        <p:spPr>
+          <a:xfrm>
+            <a:off x="274639" y="1744662"/>
+            <a:ext cx="7008034" cy="4124206"/>
+          </a:xfrm>
+        </p:spPr>
+        <p:txBody>
+          <a:bodyPr/>
+          <a:lstStyle/>
+          <a:p>
+            <a:pPr marL="571500" indent="-571500">
+              <a:buFont typeface="Arial" panose="020B0604020202020204" pitchFamily="34" charset="0"/>
+              <a:buChar char="•"/>
+            </a:pPr>
+            <a:r>
+              <a:rPr lang="pt-BR" sz="3200" dirty="0">
+                <a:solidFill>
+                  <a:srgbClr val="494949"/>
+                </a:solidFill>
+              </a:rPr>
+              <a:t>Não libere o uso de métodos HTTP desnecessários para um </a:t>
+            </a:r>
+            <a:r>
+              <a:rPr lang="pt-BR" sz="3200" dirty="0" err="1">
+                <a:solidFill>
+                  <a:srgbClr val="494949"/>
+                </a:solidFill>
+              </a:rPr>
+              <a:t>endpoint</a:t>
+            </a:r>
+            <a:endParaRPr lang="pt-BR" sz="3200" dirty="0">
+              <a:solidFill>
+                <a:srgbClr val="494949"/>
+              </a:solidFill>
+            </a:endParaRPr>
+          </a:p>
+          <a:p>
+            <a:pPr marL="571500" indent="-571500">
+              <a:buFont typeface="Arial" panose="020B0604020202020204" pitchFamily="34" charset="0"/>
+              <a:buChar char="•"/>
+            </a:pPr>
+            <a:endParaRPr lang="pt-BR" sz="3200" dirty="0">
+              <a:solidFill>
+                <a:srgbClr val="494949"/>
+              </a:solidFill>
+            </a:endParaRPr>
+          </a:p>
+          <a:p>
+            <a:pPr marL="571500" indent="-571500">
+              <a:buFont typeface="Arial" panose="020B0604020202020204" pitchFamily="34" charset="0"/>
+              <a:buChar char="•"/>
+            </a:pPr>
+            <a:r>
+              <a:rPr lang="pt-BR" sz="3200" dirty="0">
+                <a:solidFill>
+                  <a:srgbClr val="494949"/>
+                </a:solidFill>
+              </a:rPr>
+              <a:t>Falta de um melhor tratamento de dados de Input</a:t>
+            </a:r>
+          </a:p>
+          <a:p>
+            <a:pPr marL="571500" indent="-571500">
+              <a:buFont typeface="Arial" panose="020B0604020202020204" pitchFamily="34" charset="0"/>
+              <a:buChar char="•"/>
+            </a:pPr>
+            <a:endParaRPr lang="pt-BR" sz="3200" dirty="0">
+              <a:solidFill>
+                <a:srgbClr val="494949"/>
+              </a:solidFill>
+            </a:endParaRPr>
+          </a:p>
+          <a:p>
+            <a:pPr marL="571500" indent="-571500">
+              <a:buFont typeface="Arial" panose="020B0604020202020204" pitchFamily="34" charset="0"/>
+              <a:buChar char="•"/>
+            </a:pPr>
+            <a:r>
+              <a:rPr lang="pt-BR" sz="3200" dirty="0">
+                <a:solidFill>
+                  <a:srgbClr val="494949"/>
+                </a:solidFill>
+              </a:rPr>
+              <a:t>Forçar o tráfego de dados em formato encriptado</a:t>
+            </a:r>
+          </a:p>
+        </p:txBody>
+      </p:sp>
+      <p:pic>
+        <p:nvPicPr>
+          <p:cNvPr id="8" name="Imagem 7" descr="Forma&#10;&#10;Descrição gerada automaticamente com confiança média">
+            <a:extLst>
+              <a:ext uri="{FF2B5EF4-FFF2-40B4-BE49-F238E27FC236}">
+                <a16:creationId xmlns:a16="http://schemas.microsoft.com/office/drawing/2014/main" id="{E8B0235A-1BB9-BD0D-E8E0-571CFFA1C57A}"/>
+              </a:ext>
+            </a:extLst>
+          </p:cNvPr>
+          <p:cNvPicPr>
+            <a:picLocks noChangeAspect="1"/>
+          </p:cNvPicPr>
+          <p:nvPr/>
+        </p:nvPicPr>
+        <p:blipFill rotWithShape="1">
+          <a:blip r:embed="rId3"/>
+          <a:srcRect r="65806"/>
+          <a:stretch/>
+        </p:blipFill>
+        <p:spPr>
+          <a:xfrm>
+            <a:off x="8351837" y="1761862"/>
+            <a:ext cx="3429000" cy="3489816"/>
+          </a:xfrm>
+          <a:prstGeom prst="rect">
+            <a:avLst/>
+          </a:prstGeom>
+        </p:spPr>
+      </p:pic>
+    </p:spTree>
+    <p:extLst>
+      <p:ext uri="{BB962C8B-B14F-4D97-AF65-F5344CB8AC3E}">
+        <p14:creationId xmlns:p14="http://schemas.microsoft.com/office/powerpoint/2010/main" val="3748434044"/>
       </p:ext>
     </p:extLst>
   </p:cSld>
@@ -32489,223 +32593,6 @@
                   </a:schemeClr>
                 </a:solidFill>
               </a:rPr>
-              <a:t>API8:2023 - Security </a:t>
-            </a:r>
-            <a:r>
-              <a:rPr lang="pt-BR" dirty="0" err="1">
-                <a:solidFill>
-                  <a:schemeClr val="accent3">
-                    <a:lumMod val="75000"/>
-                  </a:schemeClr>
-                </a:solidFill>
-              </a:rPr>
-              <a:t>Misconfiguration</a:t>
-            </a:r>
-            <a:endParaRPr lang="pt-BR" dirty="0">
-              <a:solidFill>
-                <a:schemeClr val="accent3">
-                  <a:lumMod val="75000"/>
-                </a:schemeClr>
-              </a:solidFill>
-            </a:endParaRPr>
-          </a:p>
-        </p:txBody>
-      </p:sp>
-      <p:sp>
-        <p:nvSpPr>
-          <p:cNvPr id="3" name="Espaço Reservado para Texto 2">
-            <a:extLst>
-              <a:ext uri="{FF2B5EF4-FFF2-40B4-BE49-F238E27FC236}">
-                <a16:creationId xmlns:a16="http://schemas.microsoft.com/office/drawing/2014/main" id="{10F01629-F01C-4AE7-B7DB-6087E6CFCFAC}"/>
-              </a:ext>
-            </a:extLst>
-          </p:cNvPr>
-          <p:cNvSpPr>
-            <a:spLocks noGrp="1"/>
-          </p:cNvSpPr>
-          <p:nvPr>
-            <p:ph type="body" sz="quarter" idx="10"/>
-          </p:nvPr>
-        </p:nvSpPr>
-        <p:spPr>
-          <a:xfrm>
-            <a:off x="274639" y="1744662"/>
-            <a:ext cx="7008034" cy="4124206"/>
-          </a:xfrm>
-        </p:spPr>
-        <p:txBody>
-          <a:bodyPr/>
-          <a:lstStyle/>
-          <a:p>
-            <a:pPr marL="571500" indent="-571500">
-              <a:buFont typeface="Arial" panose="020B0604020202020204" pitchFamily="34" charset="0"/>
-              <a:buChar char="•"/>
-            </a:pPr>
-            <a:r>
-              <a:rPr lang="pt-BR" sz="3200" dirty="0">
-                <a:solidFill>
-                  <a:srgbClr val="494949"/>
-                </a:solidFill>
-              </a:rPr>
-              <a:t>Não libere o uso de métodos HTTP desnecessários para um </a:t>
-            </a:r>
-            <a:r>
-              <a:rPr lang="pt-BR" sz="3200" dirty="0" err="1">
-                <a:solidFill>
-                  <a:srgbClr val="494949"/>
-                </a:solidFill>
-              </a:rPr>
-              <a:t>endpoint</a:t>
-            </a:r>
-            <a:endParaRPr lang="pt-BR" sz="3200" dirty="0">
-              <a:solidFill>
-                <a:srgbClr val="494949"/>
-              </a:solidFill>
-            </a:endParaRPr>
-          </a:p>
-          <a:p>
-            <a:pPr marL="571500" indent="-571500">
-              <a:buFont typeface="Arial" panose="020B0604020202020204" pitchFamily="34" charset="0"/>
-              <a:buChar char="•"/>
-            </a:pPr>
-            <a:endParaRPr lang="pt-BR" sz="3200" dirty="0">
-              <a:solidFill>
-                <a:srgbClr val="494949"/>
-              </a:solidFill>
-            </a:endParaRPr>
-          </a:p>
-          <a:p>
-            <a:pPr marL="571500" indent="-571500">
-              <a:buFont typeface="Arial" panose="020B0604020202020204" pitchFamily="34" charset="0"/>
-              <a:buChar char="•"/>
-            </a:pPr>
-            <a:r>
-              <a:rPr lang="pt-BR" sz="3200" dirty="0">
-                <a:solidFill>
-                  <a:srgbClr val="494949"/>
-                </a:solidFill>
-              </a:rPr>
-              <a:t>Falta de um melhor tratamento de dados de Input</a:t>
-            </a:r>
-          </a:p>
-          <a:p>
-            <a:pPr marL="571500" indent="-571500">
-              <a:buFont typeface="Arial" panose="020B0604020202020204" pitchFamily="34" charset="0"/>
-              <a:buChar char="•"/>
-            </a:pPr>
-            <a:endParaRPr lang="pt-BR" sz="3200" dirty="0">
-              <a:solidFill>
-                <a:srgbClr val="494949"/>
-              </a:solidFill>
-            </a:endParaRPr>
-          </a:p>
-          <a:p>
-            <a:pPr marL="571500" indent="-571500">
-              <a:buFont typeface="Arial" panose="020B0604020202020204" pitchFamily="34" charset="0"/>
-              <a:buChar char="•"/>
-            </a:pPr>
-            <a:r>
-              <a:rPr lang="pt-BR" sz="3200" dirty="0">
-                <a:solidFill>
-                  <a:srgbClr val="494949"/>
-                </a:solidFill>
-              </a:rPr>
-              <a:t>Forçar o tráfego de dados em formato encriptado</a:t>
-            </a:r>
-          </a:p>
-        </p:txBody>
-      </p:sp>
-      <p:pic>
-        <p:nvPicPr>
-          <p:cNvPr id="8" name="Imagem 7" descr="Forma&#10;&#10;Descrição gerada automaticamente com confiança média">
-            <a:extLst>
-              <a:ext uri="{FF2B5EF4-FFF2-40B4-BE49-F238E27FC236}">
-                <a16:creationId xmlns:a16="http://schemas.microsoft.com/office/drawing/2014/main" id="{E8B0235A-1BB9-BD0D-E8E0-571CFFA1C57A}"/>
-              </a:ext>
-            </a:extLst>
-          </p:cNvPr>
-          <p:cNvPicPr>
-            <a:picLocks noChangeAspect="1"/>
-          </p:cNvPicPr>
-          <p:nvPr/>
-        </p:nvPicPr>
-        <p:blipFill rotWithShape="1">
-          <a:blip r:embed="rId3"/>
-          <a:srcRect r="65806"/>
-          <a:stretch/>
-        </p:blipFill>
-        <p:spPr>
-          <a:xfrm>
-            <a:off x="8351837" y="1761862"/>
-            <a:ext cx="3429000" cy="3489816"/>
-          </a:xfrm>
-          <a:prstGeom prst="rect">
-            <a:avLst/>
-          </a:prstGeom>
-        </p:spPr>
-      </p:pic>
-    </p:spTree>
-    <p:extLst>
-      <p:ext uri="{BB962C8B-B14F-4D97-AF65-F5344CB8AC3E}">
-        <p14:creationId xmlns:p14="http://schemas.microsoft.com/office/powerpoint/2010/main" val="3748434044"/>
-      </p:ext>
-    </p:extLst>
-  </p:cSld>
-  <p:clrMapOvr>
-    <a:masterClrMapping/>
-  </p:clrMapOvr>
-  <p:transition>
-    <p:fade/>
-  </p:transition>
-</p:sld>
-</file>
-
-<file path=ppt/slides/slide21.xml><?xml version="1.0" encoding="utf-8"?>
-<p:sld xmlns:a="http://schemas.openxmlformats.org/drawingml/2006/main" xmlns:r="http://schemas.openxmlformats.org/officeDocument/2006/relationships" xmlns:p="http://schemas.openxmlformats.org/presentationml/2006/main">
-  <p:cSld>
-    <p:spTree>
-      <p:nvGrpSpPr>
-        <p:cNvPr id="1" name=""/>
-        <p:cNvGrpSpPr/>
-        <p:nvPr/>
-      </p:nvGrpSpPr>
-      <p:grpSpPr>
-        <a:xfrm>
-          <a:off x="0" y="0"/>
-          <a:ext cx="0" cy="0"/>
-          <a:chOff x="0" y="0"/>
-          <a:chExt cx="0" cy="0"/>
-        </a:xfrm>
-      </p:grpSpPr>
-      <p:sp>
-        <p:nvSpPr>
-          <p:cNvPr id="2" name="Título 1">
-            <a:extLst>
-              <a:ext uri="{FF2B5EF4-FFF2-40B4-BE49-F238E27FC236}">
-                <a16:creationId xmlns:a16="http://schemas.microsoft.com/office/drawing/2014/main" id="{8ADE097F-4825-4D14-B7FB-8434EC3B2C49}"/>
-              </a:ext>
-            </a:extLst>
-          </p:cNvPr>
-          <p:cNvSpPr>
-            <a:spLocks noGrp="1"/>
-          </p:cNvSpPr>
-          <p:nvPr>
-            <p:ph type="title"/>
-          </p:nvPr>
-        </p:nvSpPr>
-        <p:spPr/>
-        <p:txBody>
-          <a:bodyPr/>
-          <a:lstStyle/>
-          <a:p>
-            <a:r>
-              <a:rPr lang="pt-BR" dirty="0">
-                <a:solidFill>
-                  <a:schemeClr val="accent3">
-                    <a:lumMod val="75000"/>
-                  </a:schemeClr>
-                </a:solidFill>
-              </a:rPr>
               <a:t>API9:2023 - </a:t>
             </a:r>
             <a:r>
@@ -32941,7 +32828,7 @@
 </p:sld>
 </file>
 
-<file path=ppt/slides/slide22.xml><?xml version="1.0" encoding="utf-8"?>
+<file path=ppt/slides/slide21.xml><?xml version="1.0" encoding="utf-8"?>
 <p:sld xmlns:a="http://schemas.openxmlformats.org/drawingml/2006/main" xmlns:r="http://schemas.openxmlformats.org/officeDocument/2006/relationships" xmlns:p="http://schemas.openxmlformats.org/presentationml/2006/main">
   <p:cSld>
     <p:spTree>
@@ -33135,7 +33022,7 @@
 </p:sld>
 </file>
 
-<file path=ppt/slides/slide23.xml><?xml version="1.0" encoding="utf-8"?>
+<file path=ppt/slides/slide22.xml><?xml version="1.0" encoding="utf-8"?>
 <p:sld xmlns:a="http://schemas.openxmlformats.org/drawingml/2006/main" xmlns:r="http://schemas.openxmlformats.org/officeDocument/2006/relationships" xmlns:p="http://schemas.openxmlformats.org/presentationml/2006/main">
   <p:cSld>
     <p:spTree>
@@ -33282,7 +33169,7 @@
 </p:sld>
 </file>
 
-<file path=ppt/slides/slide24.xml><?xml version="1.0" encoding="utf-8"?>
+<file path=ppt/slides/slide23.xml><?xml version="1.0" encoding="utf-8"?>
 <p:sld xmlns:a="http://schemas.openxmlformats.org/drawingml/2006/main" xmlns:r="http://schemas.openxmlformats.org/officeDocument/2006/relationships" xmlns:p="http://schemas.openxmlformats.org/presentationml/2006/main">
   <p:cSld>
     <p:spTree>
@@ -33417,6 +33304,219 @@
     <p:extLst>
       <p:ext uri="{BB962C8B-B14F-4D97-AF65-F5344CB8AC3E}">
         <p14:creationId xmlns:p14="http://schemas.microsoft.com/office/powerpoint/2010/main" val="777117919"/>
+      </p:ext>
+    </p:extLst>
+  </p:cSld>
+  <p:clrMapOvr>
+    <a:masterClrMapping/>
+  </p:clrMapOvr>
+  <p:transition>
+    <p:fade/>
+  </p:transition>
+</p:sld>
+</file>
+
+<file path=ppt/slides/slide24.xml><?xml version="1.0" encoding="utf-8"?>
+<p:sld xmlns:a="http://schemas.openxmlformats.org/drawingml/2006/main" xmlns:r="http://schemas.openxmlformats.org/officeDocument/2006/relationships" xmlns:p="http://schemas.openxmlformats.org/presentationml/2006/main">
+  <p:cSld>
+    <p:spTree>
+      <p:nvGrpSpPr>
+        <p:cNvPr id="1" name="">
+          <a:extLst>
+            <a:ext uri="{FF2B5EF4-FFF2-40B4-BE49-F238E27FC236}">
+              <a16:creationId xmlns:a16="http://schemas.microsoft.com/office/drawing/2014/main" id="{46484867-273C-D392-5A40-B16480F41072}"/>
+            </a:ext>
+          </a:extLst>
+        </p:cNvPr>
+        <p:cNvGrpSpPr/>
+        <p:nvPr/>
+      </p:nvGrpSpPr>
+      <p:grpSpPr>
+        <a:xfrm>
+          <a:off x="0" y="0"/>
+          <a:ext cx="0" cy="0"/>
+          <a:chOff x="0" y="0"/>
+          <a:chExt cx="0" cy="0"/>
+        </a:xfrm>
+      </p:grpSpPr>
+      <p:sp>
+        <p:nvSpPr>
+          <p:cNvPr id="2" name="Título 1">
+            <a:extLst>
+              <a:ext uri="{FF2B5EF4-FFF2-40B4-BE49-F238E27FC236}">
+                <a16:creationId xmlns:a16="http://schemas.microsoft.com/office/drawing/2014/main" id="{1D0CF4CC-F811-F522-35EF-33481BFA5E87}"/>
+              </a:ext>
+            </a:extLst>
+          </p:cNvPr>
+          <p:cNvSpPr>
+            <a:spLocks noGrp="1"/>
+          </p:cNvSpPr>
+          <p:nvPr>
+            <p:ph type="title"/>
+          </p:nvPr>
+        </p:nvSpPr>
+        <p:spPr/>
+        <p:txBody>
+          <a:bodyPr/>
+          <a:lstStyle/>
+          <a:p>
+            <a:r>
+              <a:rPr lang="en-US" dirty="0">
+                <a:solidFill>
+                  <a:schemeClr val="accent3">
+                    <a:lumMod val="75000"/>
+                  </a:schemeClr>
+                </a:solidFill>
+              </a:rPr>
+              <a:t>OWASP Top 10 for LLMs and Gen AI Apps</a:t>
+            </a:r>
+            <a:endParaRPr lang="pt-BR" dirty="0">
+              <a:solidFill>
+                <a:schemeClr val="accent3">
+                  <a:lumMod val="75000"/>
+                </a:schemeClr>
+              </a:solidFill>
+            </a:endParaRPr>
+          </a:p>
+        </p:txBody>
+      </p:sp>
+      <p:pic>
+        <p:nvPicPr>
+          <p:cNvPr id="8" name="Imagem 7" descr="Forma&#10;&#10;Descrição gerada automaticamente com confiança média">
+            <a:extLst>
+              <a:ext uri="{FF2B5EF4-FFF2-40B4-BE49-F238E27FC236}">
+                <a16:creationId xmlns:a16="http://schemas.microsoft.com/office/drawing/2014/main" id="{CA359FF8-2927-DCD8-52BF-20F8C3D40FBD}"/>
+              </a:ext>
+            </a:extLst>
+          </p:cNvPr>
+          <p:cNvPicPr>
+            <a:picLocks noChangeAspect="1"/>
+          </p:cNvPicPr>
+          <p:nvPr/>
+        </p:nvPicPr>
+        <p:blipFill rotWithShape="1">
+          <a:blip r:embed="rId3"/>
+          <a:srcRect r="65806"/>
+          <a:stretch/>
+        </p:blipFill>
+        <p:spPr>
+          <a:xfrm>
+            <a:off x="7251017" y="1238670"/>
+            <a:ext cx="3429000" cy="3489816"/>
+          </a:xfrm>
+          <a:prstGeom prst="rect">
+            <a:avLst/>
+          </a:prstGeom>
+        </p:spPr>
+      </p:pic>
+      <p:pic>
+        <p:nvPicPr>
+          <p:cNvPr id="3" name="Imagem 2" descr="Imagem em preto e branco&#10;&#10;Descrição gerada automaticamente com confiança média">
+            <a:extLst>
+              <a:ext uri="{FF2B5EF4-FFF2-40B4-BE49-F238E27FC236}">
+                <a16:creationId xmlns:a16="http://schemas.microsoft.com/office/drawing/2014/main" id="{5B65BC3E-B629-BC31-8082-4FBC7C2F7D34}"/>
+              </a:ext>
+            </a:extLst>
+          </p:cNvPr>
+          <p:cNvPicPr>
+            <a:picLocks noChangeAspect="1"/>
+          </p:cNvPicPr>
+          <p:nvPr/>
+        </p:nvPicPr>
+        <p:blipFill>
+          <a:blip r:embed="rId4">
+            <a:biLevel thresh="75000"/>
+            <a:extLst>
+              <a:ext uri="{BEBA8EAE-BF5A-486C-A8C5-ECC9F3942E4B}">
+                <a14:imgProps xmlns:a14="http://schemas.microsoft.com/office/drawing/2010/main">
+                  <a14:imgLayer r:embed="rId5">
+                    <a14:imgEffect>
+                      <a14:artisticPhotocopy/>
+                    </a14:imgEffect>
+                  </a14:imgLayer>
+                </a14:imgProps>
+              </a:ext>
+            </a:extLst>
+          </a:blip>
+          <a:stretch>
+            <a:fillRect/>
+          </a:stretch>
+        </p:blipFill>
+        <p:spPr>
+          <a:xfrm>
+            <a:off x="9494837" y="4214813"/>
+            <a:ext cx="2006044" cy="2036135"/>
+          </a:xfrm>
+          <a:prstGeom prst="rect">
+            <a:avLst/>
+          </a:prstGeom>
+          <a:noFill/>
+        </p:spPr>
+      </p:pic>
+      <p:pic>
+        <p:nvPicPr>
+          <p:cNvPr id="4" name="Imagem 3" descr="Ícone&#10;&#10;Descrição gerada automaticamente">
+            <a:extLst>
+              <a:ext uri="{FF2B5EF4-FFF2-40B4-BE49-F238E27FC236}">
+                <a16:creationId xmlns:a16="http://schemas.microsoft.com/office/drawing/2014/main" id="{5AC9C5E9-51C0-FFEC-AC8E-9AB498E30AA9}"/>
+              </a:ext>
+            </a:extLst>
+          </p:cNvPr>
+          <p:cNvPicPr>
+            <a:picLocks noChangeAspect="1"/>
+          </p:cNvPicPr>
+          <p:nvPr/>
+        </p:nvPicPr>
+        <p:blipFill>
+          <a:blip r:embed="rId6"/>
+          <a:stretch>
+            <a:fillRect/>
+          </a:stretch>
+        </p:blipFill>
+        <p:spPr>
+          <a:xfrm>
+            <a:off x="7562158" y="4444226"/>
+            <a:ext cx="1806722" cy="1806722"/>
+          </a:xfrm>
+          <a:prstGeom prst="rect">
+            <a:avLst/>
+          </a:prstGeom>
+        </p:spPr>
+      </p:pic>
+      <p:pic>
+        <p:nvPicPr>
+          <p:cNvPr id="6" name="Imagem 5">
+            <a:extLst>
+              <a:ext uri="{FF2B5EF4-FFF2-40B4-BE49-F238E27FC236}">
+                <a16:creationId xmlns:a16="http://schemas.microsoft.com/office/drawing/2014/main" id="{7F0C9865-4A01-F2EC-9E86-45F6BC13A02E}"/>
+              </a:ext>
+            </a:extLst>
+          </p:cNvPr>
+          <p:cNvPicPr>
+            <a:picLocks noChangeAspect="1"/>
+          </p:cNvPicPr>
+          <p:nvPr/>
+        </p:nvPicPr>
+        <p:blipFill>
+          <a:blip r:embed="rId7"/>
+          <a:stretch>
+            <a:fillRect/>
+          </a:stretch>
+        </p:blipFill>
+        <p:spPr>
+          <a:xfrm>
+            <a:off x="1752725" y="1363662"/>
+            <a:ext cx="4677428" cy="5115639"/>
+          </a:xfrm>
+          <a:prstGeom prst="rect">
+            <a:avLst/>
+          </a:prstGeom>
+        </p:spPr>
+      </p:pic>
+    </p:spTree>
+    <p:extLst>
+      <p:ext uri="{BB962C8B-B14F-4D97-AF65-F5344CB8AC3E}">
+        <p14:creationId xmlns:p14="http://schemas.microsoft.com/office/powerpoint/2010/main" val="3933996457"/>
       </p:ext>
     </p:extLst>
   </p:cSld>
@@ -33930,765 +34030,6 @@
       </p:grpSpPr>
       <p:sp>
         <p:nvSpPr>
-          <p:cNvPr id="3" name="Title 2"/>
-          <p:cNvSpPr>
-            <a:spLocks noGrp="1"/>
-          </p:cNvSpPr>
-          <p:nvPr>
-            <p:ph type="title"/>
-          </p:nvPr>
-        </p:nvSpPr>
-        <p:spPr>
-          <a:xfrm>
-            <a:off x="350837" y="36366"/>
-            <a:ext cx="6858000" cy="1174896"/>
-          </a:xfrm>
-        </p:spPr>
-        <p:txBody>
-          <a:bodyPr anchor="ctr">
-            <a:normAutofit fontScale="90000"/>
-          </a:bodyPr>
-          <a:lstStyle/>
-          <a:p>
-            <a:pPr algn="l"/>
-            <a:r>
-              <a:rPr lang="pt-PT" sz="4488" b="1" dirty="0">
-                <a:solidFill>
-                  <a:schemeClr val="bg2">
-                    <a:lumMod val="25000"/>
-                  </a:schemeClr>
-                </a:solidFill>
-              </a:rPr>
-              <a:t>Renato Groffe - Comunidades</a:t>
-            </a:r>
-          </a:p>
-        </p:txBody>
-      </p:sp>
-      <p:sp>
-        <p:nvSpPr>
-          <p:cNvPr id="17" name="Content Placeholder 1"/>
-          <p:cNvSpPr txBox="1">
-            <a:spLocks/>
-          </p:cNvSpPr>
-          <p:nvPr/>
-        </p:nvSpPr>
-        <p:spPr>
-          <a:xfrm>
-            <a:off x="883" y="6589794"/>
-            <a:ext cx="12434710" cy="415870"/>
-          </a:xfrm>
-          <a:prstGeom prst="rect">
-            <a:avLst/>
-          </a:prstGeom>
-          <a:solidFill>
-            <a:srgbClr val="292929"/>
-          </a:solidFill>
-        </p:spPr>
-        <p:txBody>
-          <a:bodyPr vert="horz" lIns="93247" tIns="46623" rIns="93247" bIns="46623" rtlCol="0">
-            <a:noAutofit/>
-          </a:bodyPr>
-          <a:lstStyle>
-            <a:lvl1pPr marL="342900" indent="-342900" algn="l" defTabSz="914400" rtl="0" eaLnBrk="1" latinLnBrk="0" hangingPunct="1">
-              <a:lnSpc>
-                <a:spcPts val="2600"/>
-              </a:lnSpc>
-              <a:spcBef>
-                <a:spcPct val="20000"/>
-              </a:spcBef>
-              <a:buFont typeface="Arial" pitchFamily="34" charset="0"/>
-              <a:buChar char="•"/>
-              <a:defRPr sz="1600" kern="1200">
-                <a:solidFill>
-                  <a:schemeClr val="accent1">
-                    <a:lumMod val="50000"/>
-                  </a:schemeClr>
-                </a:solidFill>
-                <a:latin typeface="Segoe UI Light" panose="020B0502040204020203" pitchFamily="34" charset="0"/>
-                <a:ea typeface="+mn-ea"/>
-                <a:cs typeface="Segoe UI Light" panose="020B0502040204020203" pitchFamily="34" charset="0"/>
-              </a:defRPr>
-            </a:lvl1pPr>
-            <a:lvl2pPr marL="742950" indent="-285750" algn="l" defTabSz="914400" rtl="0" eaLnBrk="1" latinLnBrk="0" hangingPunct="1">
-              <a:lnSpc>
-                <a:spcPts val="2600"/>
-              </a:lnSpc>
-              <a:spcBef>
-                <a:spcPct val="20000"/>
-              </a:spcBef>
-              <a:buFont typeface="Arial" pitchFamily="34" charset="0"/>
-              <a:buChar char="•"/>
-              <a:defRPr sz="1600" kern="1200">
-                <a:solidFill>
-                  <a:schemeClr val="accent1">
-                    <a:lumMod val="50000"/>
-                  </a:schemeClr>
-                </a:solidFill>
-                <a:latin typeface="Segoe UI Light" panose="020B0502040204020203" pitchFamily="34" charset="0"/>
-                <a:ea typeface="+mn-ea"/>
-                <a:cs typeface="Segoe UI Light" panose="020B0502040204020203" pitchFamily="34" charset="0"/>
-              </a:defRPr>
-            </a:lvl2pPr>
-            <a:lvl3pPr marL="1143000" indent="-228600" algn="l" defTabSz="914400" rtl="0" eaLnBrk="1" latinLnBrk="0" hangingPunct="1">
-              <a:lnSpc>
-                <a:spcPts val="2600"/>
-              </a:lnSpc>
-              <a:spcBef>
-                <a:spcPct val="20000"/>
-              </a:spcBef>
-              <a:buFont typeface="Arial" pitchFamily="34" charset="0"/>
-              <a:buChar char="•"/>
-              <a:defRPr sz="1600" kern="1200">
-                <a:solidFill>
-                  <a:schemeClr val="accent1">
-                    <a:lumMod val="50000"/>
-                  </a:schemeClr>
-                </a:solidFill>
-                <a:latin typeface="Segoe UI Light" panose="020B0502040204020203" pitchFamily="34" charset="0"/>
-                <a:ea typeface="+mn-ea"/>
-                <a:cs typeface="Segoe UI Light" panose="020B0502040204020203" pitchFamily="34" charset="0"/>
-              </a:defRPr>
-            </a:lvl3pPr>
-            <a:lvl4pPr marL="1600200" indent="-228600" algn="l" defTabSz="914400" rtl="0" eaLnBrk="1" latinLnBrk="0" hangingPunct="1">
-              <a:lnSpc>
-                <a:spcPts val="2600"/>
-              </a:lnSpc>
-              <a:spcBef>
-                <a:spcPct val="20000"/>
-              </a:spcBef>
-              <a:buFont typeface="Arial" pitchFamily="34" charset="0"/>
-              <a:buChar char="–"/>
-              <a:defRPr sz="1600" kern="1200">
-                <a:solidFill>
-                  <a:schemeClr val="accent1">
-                    <a:lumMod val="50000"/>
-                  </a:schemeClr>
-                </a:solidFill>
-                <a:latin typeface="Segoe UI Light" panose="020B0502040204020203" pitchFamily="34" charset="0"/>
-                <a:ea typeface="+mn-ea"/>
-                <a:cs typeface="Segoe UI Light" panose="020B0502040204020203" pitchFamily="34" charset="0"/>
-              </a:defRPr>
-            </a:lvl4pPr>
-            <a:lvl5pPr marL="2057400" indent="-228600" algn="l" defTabSz="914400" rtl="0" eaLnBrk="1" latinLnBrk="0" hangingPunct="1">
-              <a:lnSpc>
-                <a:spcPts val="2600"/>
-              </a:lnSpc>
-              <a:spcBef>
-                <a:spcPct val="20000"/>
-              </a:spcBef>
-              <a:buFont typeface="Arial" pitchFamily="34" charset="0"/>
-              <a:buChar char="»"/>
-              <a:defRPr sz="1600" kern="1200">
-                <a:solidFill>
-                  <a:schemeClr val="accent1">
-                    <a:lumMod val="50000"/>
-                  </a:schemeClr>
-                </a:solidFill>
-                <a:latin typeface="Segoe UI Light" panose="020B0502040204020203" pitchFamily="34" charset="0"/>
-                <a:ea typeface="+mn-ea"/>
-                <a:cs typeface="Segoe UI Light" panose="020B0502040204020203" pitchFamily="34" charset="0"/>
-              </a:defRPr>
-            </a:lvl5pPr>
-            <a:lvl6pPr marL="2514600" indent="-228600" algn="l" defTabSz="914400" rtl="0" eaLnBrk="1" latinLnBrk="0" hangingPunct="1">
-              <a:spcBef>
-                <a:spcPct val="20000"/>
-              </a:spcBef>
-              <a:buFont typeface="Arial" pitchFamily="34" charset="0"/>
-              <a:buChar char="•"/>
-              <a:defRPr sz="2000" kern="1200">
-                <a:solidFill>
-                  <a:schemeClr val="tx1"/>
-                </a:solidFill>
-                <a:latin typeface="+mn-lt"/>
-                <a:ea typeface="+mn-ea"/>
-                <a:cs typeface="+mn-cs"/>
-              </a:defRPr>
-            </a:lvl6pPr>
-            <a:lvl7pPr marL="2971800" indent="-228600" algn="l" defTabSz="914400" rtl="0" eaLnBrk="1" latinLnBrk="0" hangingPunct="1">
-              <a:spcBef>
-                <a:spcPct val="20000"/>
-              </a:spcBef>
-              <a:buFont typeface="Arial" pitchFamily="34" charset="0"/>
-              <a:buChar char="•"/>
-              <a:defRPr sz="2000" kern="1200">
-                <a:solidFill>
-                  <a:schemeClr val="tx1"/>
-                </a:solidFill>
-                <a:latin typeface="+mn-lt"/>
-                <a:ea typeface="+mn-ea"/>
-                <a:cs typeface="+mn-cs"/>
-              </a:defRPr>
-            </a:lvl7pPr>
-            <a:lvl8pPr marL="3429000" indent="-228600" algn="l" defTabSz="914400" rtl="0" eaLnBrk="1" latinLnBrk="0" hangingPunct="1">
-              <a:spcBef>
-                <a:spcPct val="20000"/>
-              </a:spcBef>
-              <a:buFont typeface="Arial" pitchFamily="34" charset="0"/>
-              <a:buChar char="•"/>
-              <a:defRPr sz="2000" kern="1200">
-                <a:solidFill>
-                  <a:schemeClr val="tx1"/>
-                </a:solidFill>
-                <a:latin typeface="+mn-lt"/>
-                <a:ea typeface="+mn-ea"/>
-                <a:cs typeface="+mn-cs"/>
-              </a:defRPr>
-            </a:lvl8pPr>
-            <a:lvl9pPr marL="3886200" indent="-228600" algn="l" defTabSz="914400" rtl="0" eaLnBrk="1" latinLnBrk="0" hangingPunct="1">
-              <a:spcBef>
-                <a:spcPct val="20000"/>
-              </a:spcBef>
-              <a:buFont typeface="Arial" pitchFamily="34" charset="0"/>
-              <a:buChar char="•"/>
-              <a:defRPr sz="2000" kern="1200">
-                <a:solidFill>
-                  <a:schemeClr val="tx1"/>
-                </a:solidFill>
-                <a:latin typeface="+mn-lt"/>
-                <a:ea typeface="+mn-ea"/>
-                <a:cs typeface="+mn-cs"/>
-              </a:defRPr>
-            </a:lvl9pPr>
-          </a:lstStyle>
-          <a:p>
-            <a:pPr marL="0" indent="0" algn="ctr">
-              <a:lnSpc>
-                <a:spcPct val="100000"/>
-              </a:lnSpc>
-              <a:buNone/>
-            </a:pPr>
-            <a:endParaRPr lang="pt-BR" sz="1836" spc="300" dirty="0">
-              <a:solidFill>
-                <a:schemeClr val="bg1"/>
-              </a:solidFill>
-            </a:endParaRPr>
-          </a:p>
-        </p:txBody>
-      </p:sp>
-      <p:pic>
-        <p:nvPicPr>
-          <p:cNvPr id="18" name="Imagem 17">
-            <a:extLst>
-              <a:ext uri="{FF2B5EF4-FFF2-40B4-BE49-F238E27FC236}">
-                <a16:creationId xmlns:a16="http://schemas.microsoft.com/office/drawing/2014/main" id="{8A823CF2-4106-46F7-BF17-D4F09BF3ECC4}"/>
-              </a:ext>
-            </a:extLst>
-          </p:cNvPr>
-          <p:cNvPicPr>
-            <a:picLocks noChangeAspect="1"/>
-          </p:cNvPicPr>
-          <p:nvPr/>
-        </p:nvPicPr>
-        <p:blipFill>
-          <a:blip r:embed="rId3"/>
-          <a:stretch>
-            <a:fillRect/>
-          </a:stretch>
-        </p:blipFill>
-        <p:spPr>
-          <a:xfrm>
-            <a:off x="1082674" y="1211262"/>
-            <a:ext cx="2667000" cy="1277759"/>
-          </a:xfrm>
-          <a:prstGeom prst="rect">
-            <a:avLst/>
-          </a:prstGeom>
-        </p:spPr>
-      </p:pic>
-      <p:pic>
-        <p:nvPicPr>
-          <p:cNvPr id="19" name="Imagem 18">
-            <a:extLst>
-              <a:ext uri="{FF2B5EF4-FFF2-40B4-BE49-F238E27FC236}">
-                <a16:creationId xmlns:a16="http://schemas.microsoft.com/office/drawing/2014/main" id="{70CF2432-EBD5-4003-B298-BBCD765317C6}"/>
-              </a:ext>
-            </a:extLst>
-          </p:cNvPr>
-          <p:cNvPicPr>
-            <a:picLocks noChangeAspect="1"/>
-          </p:cNvPicPr>
-          <p:nvPr/>
-        </p:nvPicPr>
-        <p:blipFill>
-          <a:blip r:embed="rId4"/>
-          <a:stretch>
-            <a:fillRect/>
-          </a:stretch>
-        </p:blipFill>
-        <p:spPr>
-          <a:xfrm>
-            <a:off x="4976112" y="1135062"/>
-            <a:ext cx="2286000" cy="1435322"/>
-          </a:xfrm>
-          <a:prstGeom prst="rect">
-            <a:avLst/>
-          </a:prstGeom>
-        </p:spPr>
-      </p:pic>
-      <p:pic>
-        <p:nvPicPr>
-          <p:cNvPr id="20" name="Imagem 19">
-            <a:extLst>
-              <a:ext uri="{FF2B5EF4-FFF2-40B4-BE49-F238E27FC236}">
-                <a16:creationId xmlns:a16="http://schemas.microsoft.com/office/drawing/2014/main" id="{00A77A51-D29C-483B-908F-627A9646A4A5}"/>
-              </a:ext>
-            </a:extLst>
-          </p:cNvPr>
-          <p:cNvPicPr>
-            <a:picLocks noChangeAspect="1"/>
-          </p:cNvPicPr>
-          <p:nvPr/>
-        </p:nvPicPr>
-        <p:blipFill>
-          <a:blip r:embed="rId5"/>
-          <a:stretch>
-            <a:fillRect/>
-          </a:stretch>
-        </p:blipFill>
-        <p:spPr>
-          <a:xfrm>
-            <a:off x="5135624" y="3280394"/>
-            <a:ext cx="2121091" cy="1424666"/>
-          </a:xfrm>
-          <a:prstGeom prst="rect">
-            <a:avLst/>
-          </a:prstGeom>
-        </p:spPr>
-      </p:pic>
-      <p:pic>
-        <p:nvPicPr>
-          <p:cNvPr id="22" name="Imagem 21">
-            <a:extLst>
-              <a:ext uri="{FF2B5EF4-FFF2-40B4-BE49-F238E27FC236}">
-                <a16:creationId xmlns:a16="http://schemas.microsoft.com/office/drawing/2014/main" id="{BEA180D2-85C9-47A7-AC89-A2AD7F9B5491}"/>
-              </a:ext>
-            </a:extLst>
-          </p:cNvPr>
-          <p:cNvPicPr>
-            <a:picLocks noChangeAspect="1"/>
-          </p:cNvPicPr>
-          <p:nvPr/>
-        </p:nvPicPr>
-        <p:blipFill>
-          <a:blip r:embed="rId6"/>
-          <a:stretch>
-            <a:fillRect/>
-          </a:stretch>
-        </p:blipFill>
-        <p:spPr>
-          <a:xfrm>
-            <a:off x="4770437" y="5274352"/>
-            <a:ext cx="3140110" cy="849400"/>
-          </a:xfrm>
-          <a:prstGeom prst="rect">
-            <a:avLst/>
-          </a:prstGeom>
-        </p:spPr>
-      </p:pic>
-      <p:pic>
-        <p:nvPicPr>
-          <p:cNvPr id="4" name="Imagem 3" descr="Uma imagem contendo objeto, relógio, placa, monitor&#10;&#10;Descrição gerada automaticamente">
-            <a:extLst>
-              <a:ext uri="{FF2B5EF4-FFF2-40B4-BE49-F238E27FC236}">
-                <a16:creationId xmlns:a16="http://schemas.microsoft.com/office/drawing/2014/main" id="{60457943-C228-4C82-8C07-7722A24D16DB}"/>
-              </a:ext>
-            </a:extLst>
-          </p:cNvPr>
-          <p:cNvPicPr>
-            <a:picLocks noChangeAspect="1"/>
-          </p:cNvPicPr>
-          <p:nvPr/>
-        </p:nvPicPr>
-        <p:blipFill>
-          <a:blip r:embed="rId7"/>
-          <a:stretch>
-            <a:fillRect/>
-          </a:stretch>
-        </p:blipFill>
-        <p:spPr>
-          <a:xfrm>
-            <a:off x="8504237" y="1363662"/>
-            <a:ext cx="2789238" cy="881399"/>
-          </a:xfrm>
-          <a:prstGeom prst="rect">
-            <a:avLst/>
-          </a:prstGeom>
-        </p:spPr>
-      </p:pic>
-      <p:pic>
-        <p:nvPicPr>
-          <p:cNvPr id="23" name="Imagem 22">
-            <a:extLst>
-              <a:ext uri="{FF2B5EF4-FFF2-40B4-BE49-F238E27FC236}">
-                <a16:creationId xmlns:a16="http://schemas.microsoft.com/office/drawing/2014/main" id="{1C2FC707-5D7E-4623-A4D4-987D812CCA94}"/>
-              </a:ext>
-            </a:extLst>
-          </p:cNvPr>
-          <p:cNvPicPr>
-            <a:picLocks noChangeAspect="1"/>
-          </p:cNvPicPr>
-          <p:nvPr/>
-        </p:nvPicPr>
-        <p:blipFill>
-          <a:blip r:embed="rId8"/>
-          <a:stretch>
-            <a:fillRect/>
-          </a:stretch>
-        </p:blipFill>
-        <p:spPr>
-          <a:xfrm>
-            <a:off x="821847" y="3398073"/>
-            <a:ext cx="3188653" cy="1004909"/>
-          </a:xfrm>
-          <a:prstGeom prst="rect">
-            <a:avLst/>
-          </a:prstGeom>
-        </p:spPr>
-      </p:pic>
-      <p:pic>
-        <p:nvPicPr>
-          <p:cNvPr id="24" name="Imagem 23">
-            <a:extLst>
-              <a:ext uri="{FF2B5EF4-FFF2-40B4-BE49-F238E27FC236}">
-                <a16:creationId xmlns:a16="http://schemas.microsoft.com/office/drawing/2014/main" id="{92F4B3F8-0854-4134-8BD3-CA20E2A291A5}"/>
-              </a:ext>
-            </a:extLst>
-          </p:cNvPr>
-          <p:cNvPicPr>
-            <a:picLocks noChangeAspect="1"/>
-          </p:cNvPicPr>
-          <p:nvPr/>
-        </p:nvPicPr>
-        <p:blipFill>
-          <a:blip r:embed="rId9"/>
-          <a:stretch>
-            <a:fillRect/>
-          </a:stretch>
-        </p:blipFill>
-        <p:spPr>
-          <a:xfrm>
-            <a:off x="8155871" y="5254858"/>
-            <a:ext cx="3836841" cy="805737"/>
-          </a:xfrm>
-          <a:prstGeom prst="rect">
-            <a:avLst/>
-          </a:prstGeom>
-        </p:spPr>
-      </p:pic>
-      <p:pic>
-        <p:nvPicPr>
-          <p:cNvPr id="6" name="Imagem 5">
-            <a:extLst>
-              <a:ext uri="{FF2B5EF4-FFF2-40B4-BE49-F238E27FC236}">
-                <a16:creationId xmlns:a16="http://schemas.microsoft.com/office/drawing/2014/main" id="{4D3849A0-6EC5-440C-9E64-977E433BBE29}"/>
-              </a:ext>
-            </a:extLst>
-          </p:cNvPr>
-          <p:cNvPicPr>
-            <a:picLocks noChangeAspect="1"/>
-          </p:cNvPicPr>
-          <p:nvPr/>
-        </p:nvPicPr>
-        <p:blipFill>
-          <a:blip r:embed="rId10"/>
-          <a:stretch>
-            <a:fillRect/>
-          </a:stretch>
-        </p:blipFill>
-        <p:spPr>
-          <a:xfrm>
-            <a:off x="1417637" y="4705060"/>
-            <a:ext cx="1668463" cy="1668463"/>
-          </a:xfrm>
-          <a:prstGeom prst="rect">
-            <a:avLst/>
-          </a:prstGeom>
-        </p:spPr>
-      </p:pic>
-      <p:sp>
-        <p:nvSpPr>
-          <p:cNvPr id="2" name="Content Placeholder 1">
-            <a:extLst>
-              <a:ext uri="{FF2B5EF4-FFF2-40B4-BE49-F238E27FC236}">
-                <a16:creationId xmlns:a16="http://schemas.microsoft.com/office/drawing/2014/main" id="{3A5B8603-4901-4D84-AFF1-45240D0E7B44}"/>
-              </a:ext>
-            </a:extLst>
-          </p:cNvPr>
-          <p:cNvSpPr txBox="1">
-            <a:spLocks/>
-          </p:cNvSpPr>
-          <p:nvPr/>
-        </p:nvSpPr>
-        <p:spPr>
-          <a:xfrm>
-            <a:off x="1765" y="6589794"/>
-            <a:ext cx="12434710" cy="415870"/>
-          </a:xfrm>
-          <a:prstGeom prst="rect">
-            <a:avLst/>
-          </a:prstGeom>
-          <a:solidFill>
-            <a:srgbClr val="292929"/>
-          </a:solidFill>
-        </p:spPr>
-        <p:txBody>
-          <a:bodyPr vert="horz" lIns="93247" tIns="46623" rIns="93247" bIns="46623" rtlCol="0">
-            <a:noAutofit/>
-          </a:bodyPr>
-          <a:lstStyle>
-            <a:lvl1pPr marL="342900" indent="-342900" algn="l" defTabSz="914400" rtl="0" eaLnBrk="1" latinLnBrk="0" hangingPunct="1">
-              <a:lnSpc>
-                <a:spcPts val="2600"/>
-              </a:lnSpc>
-              <a:spcBef>
-                <a:spcPct val="20000"/>
-              </a:spcBef>
-              <a:buFont typeface="Arial" pitchFamily="34" charset="0"/>
-              <a:buChar char="•"/>
-              <a:defRPr sz="1600" kern="1200">
-                <a:solidFill>
-                  <a:schemeClr val="accent1">
-                    <a:lumMod val="50000"/>
-                  </a:schemeClr>
-                </a:solidFill>
-                <a:latin typeface="Segoe UI Light" panose="020B0502040204020203" pitchFamily="34" charset="0"/>
-                <a:ea typeface="+mn-ea"/>
-                <a:cs typeface="Segoe UI Light" panose="020B0502040204020203" pitchFamily="34" charset="0"/>
-              </a:defRPr>
-            </a:lvl1pPr>
-            <a:lvl2pPr marL="742950" indent="-285750" algn="l" defTabSz="914400" rtl="0" eaLnBrk="1" latinLnBrk="0" hangingPunct="1">
-              <a:lnSpc>
-                <a:spcPts val="2600"/>
-              </a:lnSpc>
-              <a:spcBef>
-                <a:spcPct val="20000"/>
-              </a:spcBef>
-              <a:buFont typeface="Arial" pitchFamily="34" charset="0"/>
-              <a:buChar char="•"/>
-              <a:defRPr sz="1600" kern="1200">
-                <a:solidFill>
-                  <a:schemeClr val="accent1">
-                    <a:lumMod val="50000"/>
-                  </a:schemeClr>
-                </a:solidFill>
-                <a:latin typeface="Segoe UI Light" panose="020B0502040204020203" pitchFamily="34" charset="0"/>
-                <a:ea typeface="+mn-ea"/>
-                <a:cs typeface="Segoe UI Light" panose="020B0502040204020203" pitchFamily="34" charset="0"/>
-              </a:defRPr>
-            </a:lvl2pPr>
-            <a:lvl3pPr marL="1143000" indent="-228600" algn="l" defTabSz="914400" rtl="0" eaLnBrk="1" latinLnBrk="0" hangingPunct="1">
-              <a:lnSpc>
-                <a:spcPts val="2600"/>
-              </a:lnSpc>
-              <a:spcBef>
-                <a:spcPct val="20000"/>
-              </a:spcBef>
-              <a:buFont typeface="Arial" pitchFamily="34" charset="0"/>
-              <a:buChar char="•"/>
-              <a:defRPr sz="1600" kern="1200">
-                <a:solidFill>
-                  <a:schemeClr val="accent1">
-                    <a:lumMod val="50000"/>
-                  </a:schemeClr>
-                </a:solidFill>
-                <a:latin typeface="Segoe UI Light" panose="020B0502040204020203" pitchFamily="34" charset="0"/>
-                <a:ea typeface="+mn-ea"/>
-                <a:cs typeface="Segoe UI Light" panose="020B0502040204020203" pitchFamily="34" charset="0"/>
-              </a:defRPr>
-            </a:lvl3pPr>
-            <a:lvl4pPr marL="1600200" indent="-228600" algn="l" defTabSz="914400" rtl="0" eaLnBrk="1" latinLnBrk="0" hangingPunct="1">
-              <a:lnSpc>
-                <a:spcPts val="2600"/>
-              </a:lnSpc>
-              <a:spcBef>
-                <a:spcPct val="20000"/>
-              </a:spcBef>
-              <a:buFont typeface="Arial" pitchFamily="34" charset="0"/>
-              <a:buChar char="–"/>
-              <a:defRPr sz="1600" kern="1200">
-                <a:solidFill>
-                  <a:schemeClr val="accent1">
-                    <a:lumMod val="50000"/>
-                  </a:schemeClr>
-                </a:solidFill>
-                <a:latin typeface="Segoe UI Light" panose="020B0502040204020203" pitchFamily="34" charset="0"/>
-                <a:ea typeface="+mn-ea"/>
-                <a:cs typeface="Segoe UI Light" panose="020B0502040204020203" pitchFamily="34" charset="0"/>
-              </a:defRPr>
-            </a:lvl4pPr>
-            <a:lvl5pPr marL="2057400" indent="-228600" algn="l" defTabSz="914400" rtl="0" eaLnBrk="1" latinLnBrk="0" hangingPunct="1">
-              <a:lnSpc>
-                <a:spcPts val="2600"/>
-              </a:lnSpc>
-              <a:spcBef>
-                <a:spcPct val="20000"/>
-              </a:spcBef>
-              <a:buFont typeface="Arial" pitchFamily="34" charset="0"/>
-              <a:buChar char="»"/>
-              <a:defRPr sz="1600" kern="1200">
-                <a:solidFill>
-                  <a:schemeClr val="accent1">
-                    <a:lumMod val="50000"/>
-                  </a:schemeClr>
-                </a:solidFill>
-                <a:latin typeface="Segoe UI Light" panose="020B0502040204020203" pitchFamily="34" charset="0"/>
-                <a:ea typeface="+mn-ea"/>
-                <a:cs typeface="Segoe UI Light" panose="020B0502040204020203" pitchFamily="34" charset="0"/>
-              </a:defRPr>
-            </a:lvl5pPr>
-            <a:lvl6pPr marL="2514600" indent="-228600" algn="l" defTabSz="914400" rtl="0" eaLnBrk="1" latinLnBrk="0" hangingPunct="1">
-              <a:spcBef>
-                <a:spcPct val="20000"/>
-              </a:spcBef>
-              <a:buFont typeface="Arial" pitchFamily="34" charset="0"/>
-              <a:buChar char="•"/>
-              <a:defRPr sz="2000" kern="1200">
-                <a:solidFill>
-                  <a:schemeClr val="tx1"/>
-                </a:solidFill>
-                <a:latin typeface="+mn-lt"/>
-                <a:ea typeface="+mn-ea"/>
-                <a:cs typeface="+mn-cs"/>
-              </a:defRPr>
-            </a:lvl6pPr>
-            <a:lvl7pPr marL="2971800" indent="-228600" algn="l" defTabSz="914400" rtl="0" eaLnBrk="1" latinLnBrk="0" hangingPunct="1">
-              <a:spcBef>
-                <a:spcPct val="20000"/>
-              </a:spcBef>
-              <a:buFont typeface="Arial" pitchFamily="34" charset="0"/>
-              <a:buChar char="•"/>
-              <a:defRPr sz="2000" kern="1200">
-                <a:solidFill>
-                  <a:schemeClr val="tx1"/>
-                </a:solidFill>
-                <a:latin typeface="+mn-lt"/>
-                <a:ea typeface="+mn-ea"/>
-                <a:cs typeface="+mn-cs"/>
-              </a:defRPr>
-            </a:lvl7pPr>
-            <a:lvl8pPr marL="3429000" indent="-228600" algn="l" defTabSz="914400" rtl="0" eaLnBrk="1" latinLnBrk="0" hangingPunct="1">
-              <a:spcBef>
-                <a:spcPct val="20000"/>
-              </a:spcBef>
-              <a:buFont typeface="Arial" pitchFamily="34" charset="0"/>
-              <a:buChar char="•"/>
-              <a:defRPr sz="2000" kern="1200">
-                <a:solidFill>
-                  <a:schemeClr val="tx1"/>
-                </a:solidFill>
-                <a:latin typeface="+mn-lt"/>
-                <a:ea typeface="+mn-ea"/>
-                <a:cs typeface="+mn-cs"/>
-              </a:defRPr>
-            </a:lvl8pPr>
-            <a:lvl9pPr marL="3886200" indent="-228600" algn="l" defTabSz="914400" rtl="0" eaLnBrk="1" latinLnBrk="0" hangingPunct="1">
-              <a:spcBef>
-                <a:spcPct val="20000"/>
-              </a:spcBef>
-              <a:buFont typeface="Arial" pitchFamily="34" charset="0"/>
-              <a:buChar char="•"/>
-              <a:defRPr sz="2000" kern="1200">
-                <a:solidFill>
-                  <a:schemeClr val="tx1"/>
-                </a:solidFill>
-                <a:latin typeface="+mn-lt"/>
-                <a:ea typeface="+mn-ea"/>
-                <a:cs typeface="+mn-cs"/>
-              </a:defRPr>
-            </a:lvl9pPr>
-          </a:lstStyle>
-          <a:p>
-            <a:pPr marL="0" indent="0" algn="ctr">
-              <a:lnSpc>
-                <a:spcPct val="100000"/>
-              </a:lnSpc>
-              <a:buNone/>
-            </a:pPr>
-            <a:r>
-              <a:rPr lang="pt-BR" sz="1836" spc="300" dirty="0">
-                <a:solidFill>
-                  <a:schemeClr val="bg1"/>
-                </a:solidFill>
-              </a:rPr>
-              <a:t>https://renatogroffe.medium.com</a:t>
-            </a:r>
-          </a:p>
-        </p:txBody>
-      </p:sp>
-      <p:pic>
-        <p:nvPicPr>
-          <p:cNvPr id="14" name="Imagem 13">
-            <a:extLst>
-              <a:ext uri="{FF2B5EF4-FFF2-40B4-BE49-F238E27FC236}">
-                <a16:creationId xmlns:a16="http://schemas.microsoft.com/office/drawing/2014/main" id="{44A70903-4388-4FD7-94A6-7FD3DB8AFC2A}"/>
-              </a:ext>
-            </a:extLst>
-          </p:cNvPr>
-          <p:cNvPicPr>
-            <a:picLocks noChangeAspect="1"/>
-          </p:cNvPicPr>
-          <p:nvPr/>
-        </p:nvPicPr>
-        <p:blipFill>
-          <a:blip r:embed="rId11"/>
-          <a:stretch>
-            <a:fillRect/>
-          </a:stretch>
-        </p:blipFill>
-        <p:spPr>
-          <a:xfrm>
-            <a:off x="9237916" y="2889331"/>
-            <a:ext cx="1780922" cy="1836328"/>
-          </a:xfrm>
-          <a:prstGeom prst="rect">
-            <a:avLst/>
-          </a:prstGeom>
-        </p:spPr>
-      </p:pic>
-    </p:spTree>
-    <p:extLst>
-      <p:ext uri="{BB962C8B-B14F-4D97-AF65-F5344CB8AC3E}">
-        <p14:creationId xmlns:p14="http://schemas.microsoft.com/office/powerpoint/2010/main" val="1123855846"/>
-      </p:ext>
-    </p:extLst>
-  </p:cSld>
-  <p:clrMapOvr>
-    <a:masterClrMapping/>
-  </p:clrMapOvr>
-  <mc:AlternateContent xmlns:mc="http://schemas.openxmlformats.org/markup-compatibility/2006" xmlns:p14="http://schemas.microsoft.com/office/powerpoint/2010/main">
-    <mc:Choice Requires="p14">
-      <p:transition spd="med" p14:dur="700">
-        <p:fade/>
-      </p:transition>
-    </mc:Choice>
-    <mc:Fallback xmlns="">
-      <p:transition spd="med">
-        <p:fade/>
-      </p:transition>
-    </mc:Fallback>
-  </mc:AlternateContent>
-</p:sld>
-</file>
-
-<file path=ppt/slides/slide4.xml><?xml version="1.0" encoding="utf-8"?>
-<p:sld xmlns:a="http://schemas.openxmlformats.org/drawingml/2006/main" xmlns:r="http://schemas.openxmlformats.org/officeDocument/2006/relationships" xmlns:p="http://schemas.openxmlformats.org/presentationml/2006/main">
-  <p:cSld>
-    <p:spTree>
-      <p:nvGrpSpPr>
-        <p:cNvPr id="1" name=""/>
-        <p:cNvGrpSpPr/>
-        <p:nvPr/>
-      </p:nvGrpSpPr>
-      <p:grpSpPr>
-        <a:xfrm>
-          <a:off x="0" y="0"/>
-          <a:ext cx="0" cy="0"/>
-          <a:chOff x="0" y="0"/>
-          <a:chExt cx="0" cy="0"/>
-        </a:xfrm>
-      </p:grpSpPr>
-      <p:sp>
-        <p:nvSpPr>
           <p:cNvPr id="2" name="Título 1">
             <a:extLst>
               <a:ext uri="{FF2B5EF4-FFF2-40B4-BE49-F238E27FC236}">
@@ -34984,7 +34325,7 @@
 </p:sld>
 </file>
 
-<file path=ppt/slides/slide5.xml><?xml version="1.0" encoding="utf-8"?>
+<file path=ppt/slides/slide4.xml><?xml version="1.0" encoding="utf-8"?>
 <p:sld xmlns:a="http://schemas.openxmlformats.org/drawingml/2006/main" xmlns:r="http://schemas.openxmlformats.org/officeDocument/2006/relationships" xmlns:p="http://schemas.openxmlformats.org/presentationml/2006/main">
   <p:cSld>
     <p:spTree>
@@ -35297,7 +34638,7 @@
 </p:sld>
 </file>
 
-<file path=ppt/slides/slide6.xml><?xml version="1.0" encoding="utf-8"?>
+<file path=ppt/slides/slide5.xml><?xml version="1.0" encoding="utf-8"?>
 <p:sld xmlns:a="http://schemas.openxmlformats.org/drawingml/2006/main" xmlns:r="http://schemas.openxmlformats.org/officeDocument/2006/relationships" xmlns:p="http://schemas.openxmlformats.org/presentationml/2006/main">
   <p:cSld>
     <p:spTree>
@@ -35646,7 +34987,7 @@
 </p:sld>
 </file>
 
-<file path=ppt/slides/slide7.xml><?xml version="1.0" encoding="utf-8"?>
+<file path=ppt/slides/slide6.xml><?xml version="1.0" encoding="utf-8"?>
 <p:sld xmlns:a="http://schemas.openxmlformats.org/drawingml/2006/main" xmlns:r="http://schemas.openxmlformats.org/officeDocument/2006/relationships" xmlns:p="http://schemas.openxmlformats.org/presentationml/2006/main">
   <p:cSld>
     <p:spTree>
@@ -35778,7 +35119,7 @@
 </p:sld>
 </file>
 
-<file path=ppt/slides/slide8.xml><?xml version="1.0" encoding="utf-8"?>
+<file path=ppt/slides/slide7.xml><?xml version="1.0" encoding="utf-8"?>
 <p:sld xmlns:a="http://schemas.openxmlformats.org/drawingml/2006/main" xmlns:r="http://schemas.openxmlformats.org/officeDocument/2006/relationships" xmlns:p="http://schemas.openxmlformats.org/presentationml/2006/main">
   <p:cSld>
     <p:spTree>
@@ -36004,7 +35345,7 @@
 </p:sld>
 </file>
 
-<file path=ppt/slides/slide9.xml><?xml version="1.0" encoding="utf-8"?>
+<file path=ppt/slides/slide8.xml><?xml version="1.0" encoding="utf-8"?>
 <p:sld xmlns:a="http://schemas.openxmlformats.org/drawingml/2006/main" xmlns:r="http://schemas.openxmlformats.org/officeDocument/2006/relationships" xmlns:p="http://schemas.openxmlformats.org/presentationml/2006/main">
   <p:cSld>
     <p:spTree>
@@ -36431,6 +35772,261 @@
     <p:extLst>
       <p:ext uri="{BB962C8B-B14F-4D97-AF65-F5344CB8AC3E}">
         <p14:creationId xmlns:p14="http://schemas.microsoft.com/office/powerpoint/2010/main" val="3281044267"/>
+      </p:ext>
+    </p:extLst>
+  </p:cSld>
+  <p:clrMapOvr>
+    <a:masterClrMapping/>
+  </p:clrMapOvr>
+  <p:transition>
+    <p:fade/>
+  </p:transition>
+</p:sld>
+</file>
+
+<file path=ppt/slides/slide9.xml><?xml version="1.0" encoding="utf-8"?>
+<p:sld xmlns:a="http://schemas.openxmlformats.org/drawingml/2006/main" xmlns:r="http://schemas.openxmlformats.org/officeDocument/2006/relationships" xmlns:p="http://schemas.openxmlformats.org/presentationml/2006/main">
+  <p:cSld>
+    <p:spTree>
+      <p:nvGrpSpPr>
+        <p:cNvPr id="1" name=""/>
+        <p:cNvGrpSpPr/>
+        <p:nvPr/>
+      </p:nvGrpSpPr>
+      <p:grpSpPr>
+        <a:xfrm>
+          <a:off x="0" y="0"/>
+          <a:ext cx="0" cy="0"/>
+          <a:chOff x="0" y="0"/>
+          <a:chExt cx="0" cy="0"/>
+        </a:xfrm>
+      </p:grpSpPr>
+      <p:sp>
+        <p:nvSpPr>
+          <p:cNvPr id="2" name="Título 1">
+            <a:extLst>
+              <a:ext uri="{FF2B5EF4-FFF2-40B4-BE49-F238E27FC236}">
+                <a16:creationId xmlns:a16="http://schemas.microsoft.com/office/drawing/2014/main" id="{8ADE097F-4825-4D14-B7FB-8434EC3B2C49}"/>
+              </a:ext>
+            </a:extLst>
+          </p:cNvPr>
+          <p:cNvSpPr>
+            <a:spLocks noGrp="1"/>
+          </p:cNvSpPr>
+          <p:nvPr>
+            <p:ph type="title"/>
+          </p:nvPr>
+        </p:nvSpPr>
+        <p:spPr/>
+        <p:txBody>
+          <a:bodyPr/>
+          <a:lstStyle/>
+          <a:p>
+            <a:r>
+              <a:rPr lang="en-US" sz="4000" dirty="0">
+                <a:solidFill>
+                  <a:schemeClr val="accent3">
+                    <a:lumMod val="75000"/>
+                  </a:schemeClr>
+                </a:solidFill>
+              </a:rPr>
+              <a:t>API2:2023 - Broken Authentication</a:t>
+            </a:r>
+            <a:endParaRPr lang="pt-BR" sz="4000" dirty="0">
+              <a:solidFill>
+                <a:schemeClr val="accent3">
+                  <a:lumMod val="75000"/>
+                </a:schemeClr>
+              </a:solidFill>
+            </a:endParaRPr>
+          </a:p>
+        </p:txBody>
+      </p:sp>
+      <p:sp>
+        <p:nvSpPr>
+          <p:cNvPr id="3" name="Espaço Reservado para Texto 2">
+            <a:extLst>
+              <a:ext uri="{FF2B5EF4-FFF2-40B4-BE49-F238E27FC236}">
+                <a16:creationId xmlns:a16="http://schemas.microsoft.com/office/drawing/2014/main" id="{10F01629-F01C-4AE7-B7DB-6087E6CFCFAC}"/>
+              </a:ext>
+            </a:extLst>
+          </p:cNvPr>
+          <p:cNvSpPr>
+            <a:spLocks noGrp="1"/>
+          </p:cNvSpPr>
+          <p:nvPr>
+            <p:ph type="body" sz="quarter" idx="10"/>
+          </p:nvPr>
+        </p:nvSpPr>
+        <p:spPr>
+          <a:xfrm>
+            <a:off x="274639" y="1744662"/>
+            <a:ext cx="7008034" cy="4124206"/>
+          </a:xfrm>
+        </p:spPr>
+        <p:txBody>
+          <a:bodyPr/>
+          <a:lstStyle/>
+          <a:p>
+            <a:pPr marL="571500" indent="-571500">
+              <a:buFont typeface="Arial" panose="020B0604020202020204" pitchFamily="34" charset="0"/>
+              <a:buChar char="•"/>
+            </a:pPr>
+            <a:r>
+              <a:rPr lang="pt-BR" sz="3200" dirty="0">
+                <a:solidFill>
+                  <a:srgbClr val="494949"/>
+                </a:solidFill>
+              </a:rPr>
+              <a:t>Tokens de autenticação podem ser comprometidos através de manipulação dos dados</a:t>
+            </a:r>
+          </a:p>
+          <a:p>
+            <a:pPr marL="571500" indent="-571500">
+              <a:buFont typeface="Arial" panose="020B0604020202020204" pitchFamily="34" charset="0"/>
+              <a:buChar char="•"/>
+            </a:pPr>
+            <a:endParaRPr lang="pt-BR" sz="3200" dirty="0">
+              <a:solidFill>
+                <a:srgbClr val="494949"/>
+              </a:solidFill>
+            </a:endParaRPr>
+          </a:p>
+          <a:p>
+            <a:pPr marL="571500" indent="-571500">
+              <a:buFont typeface="Arial" panose="020B0604020202020204" pitchFamily="34" charset="0"/>
+              <a:buChar char="•"/>
+            </a:pPr>
+            <a:r>
+              <a:rPr lang="pt-BR" sz="3200" dirty="0">
+                <a:solidFill>
+                  <a:srgbClr val="494949"/>
+                </a:solidFill>
+              </a:rPr>
+              <a:t>Senhas fracas, </a:t>
+            </a:r>
+            <a:r>
+              <a:rPr lang="pt-BR" sz="3200" dirty="0" err="1">
+                <a:solidFill>
+                  <a:srgbClr val="494949"/>
+                </a:solidFill>
+              </a:rPr>
+              <a:t>credential</a:t>
+            </a:r>
+            <a:r>
+              <a:rPr lang="pt-BR" sz="3200" dirty="0">
+                <a:solidFill>
+                  <a:srgbClr val="494949"/>
+                </a:solidFill>
+              </a:rPr>
+              <a:t> </a:t>
+            </a:r>
+            <a:r>
+              <a:rPr lang="pt-BR" sz="3200" dirty="0" err="1">
+                <a:solidFill>
+                  <a:srgbClr val="494949"/>
+                </a:solidFill>
+              </a:rPr>
+              <a:t>stuffing</a:t>
+            </a:r>
+            <a:endParaRPr lang="pt-BR" sz="3200" dirty="0">
+              <a:solidFill>
+                <a:srgbClr val="494949"/>
+              </a:solidFill>
+            </a:endParaRPr>
+          </a:p>
+          <a:p>
+            <a:pPr marL="571500" indent="-571500">
+              <a:buFont typeface="Arial" panose="020B0604020202020204" pitchFamily="34" charset="0"/>
+              <a:buChar char="•"/>
+            </a:pPr>
+            <a:endParaRPr lang="pt-BR" sz="3200" dirty="0">
+              <a:solidFill>
+                <a:srgbClr val="494949"/>
+              </a:solidFill>
+            </a:endParaRPr>
+          </a:p>
+          <a:p>
+            <a:pPr marL="571500" indent="-571500">
+              <a:buFont typeface="Arial" panose="020B0604020202020204" pitchFamily="34" charset="0"/>
+              <a:buChar char="•"/>
+            </a:pPr>
+            <a:r>
+              <a:rPr lang="pt-BR" sz="3200" dirty="0">
+                <a:solidFill>
+                  <a:srgbClr val="494949"/>
+                </a:solidFill>
+              </a:rPr>
+              <a:t>JWT não envolve criptografia num </a:t>
+            </a:r>
+            <a:r>
+              <a:rPr lang="pt-BR" sz="3200" dirty="0" err="1">
+                <a:solidFill>
+                  <a:srgbClr val="494949"/>
+                </a:solidFill>
+              </a:rPr>
+              <a:t>payload</a:t>
+            </a:r>
+            <a:r>
+              <a:rPr lang="pt-BR" sz="3200" dirty="0">
+                <a:solidFill>
+                  <a:srgbClr val="494949"/>
+                </a:solidFill>
+              </a:rPr>
+              <a:t> (</a:t>
+            </a:r>
+            <a:r>
+              <a:rPr lang="pt-BR" sz="3200" b="1" dirty="0">
+                <a:solidFill>
+                  <a:srgbClr val="494949"/>
+                </a:solidFill>
+              </a:rPr>
+              <a:t>base64</a:t>
+            </a:r>
+            <a:r>
+              <a:rPr lang="pt-BR" sz="3200" dirty="0">
+                <a:solidFill>
+                  <a:srgbClr val="494949"/>
+                </a:solidFill>
+              </a:rPr>
+              <a:t>)</a:t>
+            </a:r>
+          </a:p>
+        </p:txBody>
+      </p:sp>
+      <p:pic>
+        <p:nvPicPr>
+          <p:cNvPr id="8" name="Imagem 7" descr="Forma&#10;&#10;Descrição gerada automaticamente com confiança média">
+            <a:extLst>
+              <a:ext uri="{FF2B5EF4-FFF2-40B4-BE49-F238E27FC236}">
+                <a16:creationId xmlns:a16="http://schemas.microsoft.com/office/drawing/2014/main" id="{E8B0235A-1BB9-BD0D-E8E0-571CFFA1C57A}"/>
+              </a:ext>
+            </a:extLst>
+          </p:cNvPr>
+          <p:cNvPicPr>
+            <a:picLocks noChangeAspect="1"/>
+          </p:cNvPicPr>
+          <p:nvPr/>
+        </p:nvPicPr>
+        <p:blipFill rotWithShape="1">
+          <a:blip r:embed="rId3"/>
+          <a:srcRect r="65806"/>
+          <a:stretch/>
+        </p:blipFill>
+        <p:spPr>
+          <a:xfrm>
+            <a:off x="8351837" y="1761862"/>
+            <a:ext cx="3429000" cy="3489816"/>
+          </a:xfrm>
+          <a:prstGeom prst="rect">
+            <a:avLst/>
+          </a:prstGeom>
+        </p:spPr>
+      </p:pic>
+    </p:spTree>
+    <p:extLst>
+      <p:ext uri="{BB962C8B-B14F-4D97-AF65-F5344CB8AC3E}">
+        <p14:creationId xmlns:p14="http://schemas.microsoft.com/office/powerpoint/2010/main" val="4135656978"/>
       </p:ext>
     </p:extLst>
   </p:cSld>
@@ -38202,85 +37798,6 @@
 </file>
 
 <file path=customXml/item1.xml><?xml version="1.0" encoding="utf-8"?>
-<p:properties xmlns:p="http://schemas.microsoft.com/office/2006/metadata/properties" xmlns:xsi="http://www.w3.org/2001/XMLSchema-instance" xmlns:pc="http://schemas.microsoft.com/office/infopath/2007/PartnerControls">
-  <documentManagement>
-    <LikesCount xmlns="http://schemas.microsoft.com/sharepoint/v3" xsi:nil="true"/>
-    <d12e2661e9634d9aa98bbb375f31aced xmlns="01c77077-aee4-4b5f-bd4e-9cd40a6fff29">
-      <Terms xmlns="http://schemas.microsoft.com/office/infopath/2007/PartnerControls">
-        <TermInfo xmlns="http://schemas.microsoft.com/office/infopath/2007/PartnerControls">
-          <TermName xmlns="http://schemas.microsoft.com/office/infopath/2007/PartnerControls">Georgia World Congress Center</TermName>
-          <TermId xmlns="http://schemas.microsoft.com/office/infopath/2007/PartnerControls">ea0ece34-59a6-4d43-8d9e-d0f9e2a2f1ce</TermId>
-        </TermInfo>
-      </Terms>
-    </d12e2661e9634d9aa98bbb375f31aced>
-    <Event_x0020_Start_x0020_Date xmlns="01c77077-aee4-4b5f-bd4e-9cd40a6fff29">2016-09-25T07:00:00+00:00</Event_x0020_Start_x0020_Date>
-    <Target_x0020_Audiences xmlns="8ff673fc-3231-4e3a-893b-6d7f7cd32766" xsi:nil="true"/>
-    <iaa5f83406f94009a0f6a3e890699ff7 xmlns="01c77077-aee4-4b5f-bd4e-9cd40a6fff29">
-      <Terms xmlns="http://schemas.microsoft.com/office/infopath/2007/PartnerControls">
-        <TermInfo xmlns="http://schemas.microsoft.com/office/infopath/2007/PartnerControls">
-          <TermName xmlns="http://schemas.microsoft.com/office/infopath/2007/PartnerControls">Atlanta</TermName>
-          <TermId xmlns="http://schemas.microsoft.com/office/infopath/2007/PartnerControls">01fb9831-5840-48a0-a576-3e48f42baa53</TermId>
-        </TermInfo>
-      </Terms>
-    </iaa5f83406f94009a0f6a3e890699ff7>
-    <External_x0020_Speaker xmlns="01c77077-aee4-4b5f-bd4e-9cd40a6fff29">Michael Kelley</External_x0020_Speaker>
-    <m6878b9dd7994da4ba144f95347d99c6 xmlns="01c77077-aee4-4b5f-bd4e-9cd40a6fff29">
-      <Terms xmlns="http://schemas.microsoft.com/office/infopath/2007/PartnerControls"/>
-    </m6878b9dd7994da4ba144f95347d99c6>
-    <Presentation_x0020_Date xmlns="01c77077-aee4-4b5f-bd4e-9cd40a6fff29">2016-09-28T04:00:00+00:00</Presentation_x0020_Date>
-    <fc15c16204564de583b4c942b10d19ec xmlns="01c77077-aee4-4b5f-bd4e-9cd40a6fff29">
-      <Terms xmlns="http://schemas.microsoft.com/office/infopath/2007/PartnerControls"/>
-    </fc15c16204564de583b4c942b10d19ec>
-    <mb2e01f7e2d8413988e28e59aa226eec xmlns="01c77077-aee4-4b5f-bd4e-9cd40a6fff29">
-      <Terms xmlns="http://schemas.microsoft.com/office/infopath/2007/PartnerControls">
-        <TermInfo xmlns="http://schemas.microsoft.com/office/infopath/2007/PartnerControls">
-          <TermName xmlns="http://schemas.microsoft.com/office/infopath/2007/PartnerControls">Microsoft Ignite</TermName>
-          <TermId xmlns="http://schemas.microsoft.com/office/infopath/2007/PartnerControls">9323c522-fe4b-4922-816b-10a1920d7afb</TermId>
-        </TermInfo>
-      </Terms>
-    </mb2e01f7e2d8413988e28e59aa226eec>
-    <MS_x0020_Content_x0020_Owner xmlns="01c77077-aee4-4b5f-bd4e-9cd40a6fff29">
-      <UserInfo>
-        <DisplayName/>
-        <AccountId xsi:nil="true"/>
-        <AccountType/>
-      </UserInfo>
-    </MS_x0020_Content_x0020_Owner>
-    <Session_x0020_Code xmlns="01c77077-aee4-4b5f-bd4e-9cd40a6fff29">BRK2158</Session_x0020_Code>
-    <Event_x0020_End_x0020_Date xmlns="01c77077-aee4-4b5f-bd4e-9cd40a6fff29">2016-09-30T07:00:00+00:00</Event_x0020_End_x0020_Date>
-    <o1010385baed4da9b5076a6aa651d1e5 xmlns="01c77077-aee4-4b5f-bd4e-9cd40a6fff29">
-      <Terms xmlns="http://schemas.microsoft.com/office/infopath/2007/PartnerControls"/>
-    </o1010385baed4da9b5076a6aa651d1e5>
-    <kc6d1bd9a46e4e5fbbbf99ca3de7a092 xmlns="01c77077-aee4-4b5f-bd4e-9cd40a6fff29">
-      <Terms xmlns="http://schemas.microsoft.com/office/infopath/2007/PartnerControls"/>
-    </kc6d1bd9a46e4e5fbbbf99ca3de7a092>
-    <MS_x0020_Speaker xmlns="01c77077-aee4-4b5f-bd4e-9cd40a6fff29">
-      <UserInfo>
-        <DisplayName/>
-        <AccountId xsi:nil="true"/>
-        <AccountType/>
-      </UserInfo>
-    </MS_x0020_Speaker>
-    <TaxKeywordTaxHTField xmlns="230e9df3-be65-4c73-a93b-d1236ebd677e">
-      <Terms xmlns="http://schemas.microsoft.com/office/infopath/2007/PartnerControls">
-        <TermInfo xmlns="http://schemas.microsoft.com/office/infopath/2007/PartnerControls">
-          <TermName xmlns="http://schemas.microsoft.com/office/infopath/2007/PartnerControls">Microsoft Ignite 2016</TermName>
-          <TermId xmlns="http://schemas.microsoft.com/office/infopath/2007/PartnerControls">e2f6a88c-86f9-4b25-a2af-b5c3afa8c82a</TermId>
-        </TermInfo>
-      </Terms>
-    </TaxKeywordTaxHTField>
-    <TaxCatchAll xmlns="230e9df3-be65-4c73-a93b-d1236ebd677e">
-      <Value>174</Value>
-      <Value>177</Value>
-      <Value>176</Value>
-      <Value>175</Value>
-    </TaxCatchAll>
-    <NumberofDownloads xmlns="230e9df3-be65-4c73-a93b-d1236ebd677e" xsi:nil="true"/>
-  </documentManagement>
-</p:properties>
-</file>
-
-<file path=customXml/item2.xml><?xml version="1.0" encoding="utf-8"?>
 <ct:contentTypeSchema xmlns:ct="http://schemas.microsoft.com/office/2006/metadata/contentType" xmlns:ma="http://schemas.microsoft.com/office/2006/metadata/properties/metaAttributes" ct:_="" ma:_="" ma:contentTypeName="PresentationsDoc" ma:contentTypeID="0x01010031DCF4CA090F824DB1E4CCBB6B9D64EA00101E8AAD132F8F4D96340D6376C8BB3E" ma:contentTypeVersion="22" ma:contentTypeDescription="" ma:contentTypeScope="" ma:versionID="8add498658ef06bbcf3bc1f2c97d938c">
   <xsd:schema xmlns:xsd="http://www.w3.org/2001/XMLSchema" xmlns:xs="http://www.w3.org/2001/XMLSchema" xmlns:p="http://schemas.microsoft.com/office/2006/metadata/properties" xmlns:ns1="http://schemas.microsoft.com/sharepoint/v3" xmlns:ns2="01c77077-aee4-4b5f-bd4e-9cd40a6fff29" xmlns:ns3="230e9df3-be65-4c73-a93b-d1236ebd677e" xmlns:ns5="8ff673fc-3231-4e3a-893b-6d7f7cd32766" targetNamespace="http://schemas.microsoft.com/office/2006/metadata/properties" ma:root="true" ma:fieldsID="a14070d067e341e7ddc7e27ecc4a2d88" ns1:_="" ns2:_="" ns3:_="" ns5:_="">
     <xsd:import namespace="http://schemas.microsoft.com/sharepoint/v3"/>
@@ -38637,6 +38154,85 @@
 </ct:contentTypeSchema>
 </file>
 
+<file path=customXml/item2.xml><?xml version="1.0" encoding="utf-8"?>
+<p:properties xmlns:p="http://schemas.microsoft.com/office/2006/metadata/properties" xmlns:xsi="http://www.w3.org/2001/XMLSchema-instance" xmlns:pc="http://schemas.microsoft.com/office/infopath/2007/PartnerControls">
+  <documentManagement>
+    <LikesCount xmlns="http://schemas.microsoft.com/sharepoint/v3" xsi:nil="true"/>
+    <d12e2661e9634d9aa98bbb375f31aced xmlns="01c77077-aee4-4b5f-bd4e-9cd40a6fff29">
+      <Terms xmlns="http://schemas.microsoft.com/office/infopath/2007/PartnerControls">
+        <TermInfo xmlns="http://schemas.microsoft.com/office/infopath/2007/PartnerControls">
+          <TermName xmlns="http://schemas.microsoft.com/office/infopath/2007/PartnerControls">Georgia World Congress Center</TermName>
+          <TermId xmlns="http://schemas.microsoft.com/office/infopath/2007/PartnerControls">ea0ece34-59a6-4d43-8d9e-d0f9e2a2f1ce</TermId>
+        </TermInfo>
+      </Terms>
+    </d12e2661e9634d9aa98bbb375f31aced>
+    <Event_x0020_Start_x0020_Date xmlns="01c77077-aee4-4b5f-bd4e-9cd40a6fff29">2016-09-25T07:00:00+00:00</Event_x0020_Start_x0020_Date>
+    <Target_x0020_Audiences xmlns="8ff673fc-3231-4e3a-893b-6d7f7cd32766" xsi:nil="true"/>
+    <iaa5f83406f94009a0f6a3e890699ff7 xmlns="01c77077-aee4-4b5f-bd4e-9cd40a6fff29">
+      <Terms xmlns="http://schemas.microsoft.com/office/infopath/2007/PartnerControls">
+        <TermInfo xmlns="http://schemas.microsoft.com/office/infopath/2007/PartnerControls">
+          <TermName xmlns="http://schemas.microsoft.com/office/infopath/2007/PartnerControls">Atlanta</TermName>
+          <TermId xmlns="http://schemas.microsoft.com/office/infopath/2007/PartnerControls">01fb9831-5840-48a0-a576-3e48f42baa53</TermId>
+        </TermInfo>
+      </Terms>
+    </iaa5f83406f94009a0f6a3e890699ff7>
+    <External_x0020_Speaker xmlns="01c77077-aee4-4b5f-bd4e-9cd40a6fff29">Michael Kelley</External_x0020_Speaker>
+    <m6878b9dd7994da4ba144f95347d99c6 xmlns="01c77077-aee4-4b5f-bd4e-9cd40a6fff29">
+      <Terms xmlns="http://schemas.microsoft.com/office/infopath/2007/PartnerControls"/>
+    </m6878b9dd7994da4ba144f95347d99c6>
+    <Presentation_x0020_Date xmlns="01c77077-aee4-4b5f-bd4e-9cd40a6fff29">2016-09-28T04:00:00+00:00</Presentation_x0020_Date>
+    <fc15c16204564de583b4c942b10d19ec xmlns="01c77077-aee4-4b5f-bd4e-9cd40a6fff29">
+      <Terms xmlns="http://schemas.microsoft.com/office/infopath/2007/PartnerControls"/>
+    </fc15c16204564de583b4c942b10d19ec>
+    <mb2e01f7e2d8413988e28e59aa226eec xmlns="01c77077-aee4-4b5f-bd4e-9cd40a6fff29">
+      <Terms xmlns="http://schemas.microsoft.com/office/infopath/2007/PartnerControls">
+        <TermInfo xmlns="http://schemas.microsoft.com/office/infopath/2007/PartnerControls">
+          <TermName xmlns="http://schemas.microsoft.com/office/infopath/2007/PartnerControls">Microsoft Ignite</TermName>
+          <TermId xmlns="http://schemas.microsoft.com/office/infopath/2007/PartnerControls">9323c522-fe4b-4922-816b-10a1920d7afb</TermId>
+        </TermInfo>
+      </Terms>
+    </mb2e01f7e2d8413988e28e59aa226eec>
+    <MS_x0020_Content_x0020_Owner xmlns="01c77077-aee4-4b5f-bd4e-9cd40a6fff29">
+      <UserInfo>
+        <DisplayName/>
+        <AccountId xsi:nil="true"/>
+        <AccountType/>
+      </UserInfo>
+    </MS_x0020_Content_x0020_Owner>
+    <Session_x0020_Code xmlns="01c77077-aee4-4b5f-bd4e-9cd40a6fff29">BRK2158</Session_x0020_Code>
+    <Event_x0020_End_x0020_Date xmlns="01c77077-aee4-4b5f-bd4e-9cd40a6fff29">2016-09-30T07:00:00+00:00</Event_x0020_End_x0020_Date>
+    <o1010385baed4da9b5076a6aa651d1e5 xmlns="01c77077-aee4-4b5f-bd4e-9cd40a6fff29">
+      <Terms xmlns="http://schemas.microsoft.com/office/infopath/2007/PartnerControls"/>
+    </o1010385baed4da9b5076a6aa651d1e5>
+    <kc6d1bd9a46e4e5fbbbf99ca3de7a092 xmlns="01c77077-aee4-4b5f-bd4e-9cd40a6fff29">
+      <Terms xmlns="http://schemas.microsoft.com/office/infopath/2007/PartnerControls"/>
+    </kc6d1bd9a46e4e5fbbbf99ca3de7a092>
+    <MS_x0020_Speaker xmlns="01c77077-aee4-4b5f-bd4e-9cd40a6fff29">
+      <UserInfo>
+        <DisplayName/>
+        <AccountId xsi:nil="true"/>
+        <AccountType/>
+      </UserInfo>
+    </MS_x0020_Speaker>
+    <TaxKeywordTaxHTField xmlns="230e9df3-be65-4c73-a93b-d1236ebd677e">
+      <Terms xmlns="http://schemas.microsoft.com/office/infopath/2007/PartnerControls">
+        <TermInfo xmlns="http://schemas.microsoft.com/office/infopath/2007/PartnerControls">
+          <TermName xmlns="http://schemas.microsoft.com/office/infopath/2007/PartnerControls">Microsoft Ignite 2016</TermName>
+          <TermId xmlns="http://schemas.microsoft.com/office/infopath/2007/PartnerControls">e2f6a88c-86f9-4b25-a2af-b5c3afa8c82a</TermId>
+        </TermInfo>
+      </Terms>
+    </TaxKeywordTaxHTField>
+    <TaxCatchAll xmlns="230e9df3-be65-4c73-a93b-d1236ebd677e">
+      <Value>174</Value>
+      <Value>177</Value>
+      <Value>176</Value>
+      <Value>175</Value>
+    </TaxCatchAll>
+    <NumberofDownloads xmlns="230e9df3-be65-4c73-a93b-d1236ebd677e" xsi:nil="true"/>
+  </documentManagement>
+</p:properties>
+</file>
+
 <file path=customXml/item3.xml><?xml version="1.0" encoding="utf-8"?>
 <?mso-contentType ?>
 <FormTemplates xmlns="http://schemas.microsoft.com/sharepoint/v3/contenttype/forms">
@@ -38647,25 +38243,6 @@
 </file>
 
 <file path=customXml/itemProps1.xml><?xml version="1.0" encoding="utf-8"?>
-<ds:datastoreItem xmlns:ds="http://schemas.openxmlformats.org/officeDocument/2006/customXml" ds:itemID="{F990F116-B58F-4255-B05B-DA3808E0E5C6}">
-  <ds:schemaRefs>
-    <ds:schemaRef ds:uri="http://purl.org/dc/elements/1.1/"/>
-    <ds:schemaRef ds:uri="http://purl.org/dc/dcmitype/"/>
-    <ds:schemaRef ds:uri="230e9df3-be65-4c73-a93b-d1236ebd677e"/>
-    <ds:schemaRef ds:uri="http://schemas.microsoft.com/office/infopath/2007/PartnerControls"/>
-    <ds:schemaRef ds:uri="http://schemas.microsoft.com/office/2006/metadata/properties"/>
-    <ds:schemaRef ds:uri="01c77077-aee4-4b5f-bd4e-9cd40a6fff29"/>
-    <ds:schemaRef ds:uri="http://schemas.microsoft.com/sharepoint/v3"/>
-    <ds:schemaRef ds:uri="8ff673fc-3231-4e3a-893b-6d7f7cd32766"/>
-    <ds:schemaRef ds:uri="http://schemas.microsoft.com/office/2006/documentManagement/types"/>
-    <ds:schemaRef ds:uri="http://purl.org/dc/terms/"/>
-    <ds:schemaRef ds:uri="http://schemas.openxmlformats.org/package/2006/metadata/core-properties"/>
-    <ds:schemaRef ds:uri="http://www.w3.org/XML/1998/namespace"/>
-  </ds:schemaRefs>
-</ds:datastoreItem>
-</file>
-
-<file path=customXml/itemProps2.xml><?xml version="1.0" encoding="utf-8"?>
 <ds:datastoreItem xmlns:ds="http://schemas.openxmlformats.org/officeDocument/2006/customXml" ds:itemID="{6D8F288A-5131-4E80-AB86-F10FC037383B}">
   <ds:schemaRefs>
     <ds:schemaRef ds:uri="http://schemas.microsoft.com/office/2006/metadata/contentType"/>
@@ -38686,6 +38263,25 @@
 </ds:datastoreItem>
 </file>
 
+<file path=customXml/itemProps2.xml><?xml version="1.0" encoding="utf-8"?>
+<ds:datastoreItem xmlns:ds="http://schemas.openxmlformats.org/officeDocument/2006/customXml" ds:itemID="{F990F116-B58F-4255-B05B-DA3808E0E5C6}">
+  <ds:schemaRefs>
+    <ds:schemaRef ds:uri="http://purl.org/dc/elements/1.1/"/>
+    <ds:schemaRef ds:uri="http://purl.org/dc/dcmitype/"/>
+    <ds:schemaRef ds:uri="230e9df3-be65-4c73-a93b-d1236ebd677e"/>
+    <ds:schemaRef ds:uri="http://schemas.microsoft.com/office/infopath/2007/PartnerControls"/>
+    <ds:schemaRef ds:uri="http://schemas.microsoft.com/office/2006/metadata/properties"/>
+    <ds:schemaRef ds:uri="01c77077-aee4-4b5f-bd4e-9cd40a6fff29"/>
+    <ds:schemaRef ds:uri="http://schemas.microsoft.com/sharepoint/v3"/>
+    <ds:schemaRef ds:uri="8ff673fc-3231-4e3a-893b-6d7f7cd32766"/>
+    <ds:schemaRef ds:uri="http://schemas.microsoft.com/office/2006/documentManagement/types"/>
+    <ds:schemaRef ds:uri="http://purl.org/dc/terms/"/>
+    <ds:schemaRef ds:uri="http://schemas.openxmlformats.org/package/2006/metadata/core-properties"/>
+    <ds:schemaRef ds:uri="http://www.w3.org/XML/1998/namespace"/>
+  </ds:schemaRefs>
+</ds:datastoreItem>
+</file>
+
 <file path=customXml/itemProps3.xml><?xml version="1.0" encoding="utf-8"?>
 <ds:datastoreItem xmlns:ds="http://schemas.openxmlformats.org/officeDocument/2006/customXml" ds:itemID="{758FDAC0-319D-4A54-8D8E-1D42CB1F8004}">
   <ds:schemaRefs>
